--- a/Babayev.pptx
+++ b/Babayev.pptx
@@ -26142,30 +26142,13 @@
           <a:bodyPr/>
           <a:lstStyle/>
           <a:p>
-            <a:pPr algn="l"/>
+            <a:r>
+              <a:rPr lang="en-US" dirty="0"/>
+              <a:t>Dal</a:t>
+            </a:r>
             <a:r>
               <a:rPr lang="cs-CZ" dirty="0"/>
-              <a:t>H znamena Hue odstin , S znamena sytost a posledni pismena V je znamena value a je to hodnota. Je to clyndricke barevne model, ktery predstavuje odstiny , sytost a hodnoty barev. Ale ja tady ve slidu psal jsem jas. Proc? No protoze na źacatku rikal jsem ze je i nekdy HSB a tady B znamena </a:t>
-            </a:r>
-            <a:r>
-              <a:rPr lang="en-US" b="0" i="0" dirty="0">
-                <a:solidFill>
-                  <a:srgbClr val="374151"/>
-                </a:solidFill>
-                <a:effectLst/>
-                <a:latin typeface="Söhne"/>
-              </a:rPr>
-              <a:t>Br</a:t>
-            </a:r>
-            <a:r>
-              <a:rPr lang="cs-CZ" b="0" i="0" dirty="0">
-                <a:solidFill>
-                  <a:srgbClr val="374151"/>
-                </a:solidFill>
-                <a:effectLst/>
-                <a:latin typeface="Söhne"/>
-              </a:rPr>
-              <a:t>ightness a je to cesky jas. Barevný model HSV může být užitečný pro úkoly, jako je výběr barev, korekce barev a přizpůsobení barev, protože umožňuje efektivní změnu jasu, sytosti a odstínů obrazu. Příklady tohoto modelu zahrnují obory jako grafický design, úpravy videa a obrázků a používají se také v některých vědeckých oborech. </a:t>
+              <a:t>ši barevne modely je HSV.  Někdy   potkame jaho HSB </a:t>
             </a:r>
             <a:endParaRPr lang="en-US" dirty="0"/>
           </a:p>
@@ -26188,7 +26171,7 @@
           <a:p>
             <a:fld id="{A327F149-D9FA-4932-BD99-DB4E84988BB6}" type="slidenum">
               <a:rPr lang="en-US" smtClean="0"/>
-              <a:t>11</a:t>
+              <a:t>10</a:t>
             </a:fld>
             <a:endParaRPr lang="en-US"/>
           </a:p>
@@ -26197,7 +26180,7 @@
     </p:spTree>
     <p:extLst>
       <p:ext uri="{BB962C8B-B14F-4D97-AF65-F5344CB8AC3E}">
-        <p14:creationId xmlns:p14="http://schemas.microsoft.com/office/powerpoint/2010/main" val="3782743069"/>
+        <p14:creationId xmlns:p14="http://schemas.microsoft.com/office/powerpoint/2010/main" val="756816201"/>
       </p:ext>
     </p:extLst>
   </p:cSld>
@@ -26251,46 +26234,32 @@
           <a:bodyPr/>
           <a:lstStyle/>
           <a:p>
-            <a:r>
-              <a:rPr lang="en-US" dirty="0" err="1"/>
-              <a:t>Tedka</a:t>
-            </a:r>
-            <a:r>
-              <a:rPr lang="en-US" dirty="0"/>
-              <a:t> </a:t>
-            </a:r>
-            <a:r>
-              <a:rPr lang="en-US" dirty="0" err="1"/>
-              <a:t>zacinam</a:t>
-            </a:r>
-            <a:r>
-              <a:rPr lang="en-US" dirty="0"/>
-              <a:t> </a:t>
-            </a:r>
-            <a:r>
-              <a:rPr lang="en-US" dirty="0" err="1"/>
-              <a:t>bavit</a:t>
-            </a:r>
-            <a:r>
-              <a:rPr lang="en-US" dirty="0"/>
-              <a:t> o  </a:t>
-            </a:r>
-            <a:r>
-              <a:rPr lang="en-US" dirty="0" err="1"/>
-              <a:t>dalsi</a:t>
-            </a:r>
-            <a:r>
-              <a:rPr lang="en-US" dirty="0"/>
-              <a:t> </a:t>
-            </a:r>
-            <a:r>
-              <a:rPr lang="en-US" dirty="0" err="1"/>
-              <a:t>barevne</a:t>
-            </a:r>
-            <a:r>
-              <a:rPr lang="en-US" dirty="0"/>
-              <a:t> model. A to je CIE .</a:t>
-            </a:r>
+            <a:pPr algn="l"/>
+            <a:r>
+              <a:rPr lang="cs-CZ" dirty="0"/>
+              <a:t>H znamena Hue odstin , S znamena sytost a posledni pismena V je znamena value a je to hodnota. Je to clyndricke barevne model, ktery predstavuje odstiny , sytost a hodnoty barev. Ale ja tady ve slidu psal jsem jas. Proc? No protoze na źacatku rikal jsem ze je i nekdy HSB a tady B znamena </a:t>
+            </a:r>
+            <a:r>
+              <a:rPr lang="en-US" b="0" i="0" dirty="0">
+                <a:solidFill>
+                  <a:srgbClr val="374151"/>
+                </a:solidFill>
+                <a:effectLst/>
+                <a:latin typeface="Söhne"/>
+              </a:rPr>
+              <a:t>Br</a:t>
+            </a:r>
+            <a:r>
+              <a:rPr lang="cs-CZ" b="0" i="0" dirty="0">
+                <a:solidFill>
+                  <a:srgbClr val="374151"/>
+                </a:solidFill>
+                <a:effectLst/>
+                <a:latin typeface="Söhne"/>
+              </a:rPr>
+              <a:t>ightness a je to cesky jas. Barevný model HSV může být užitečný pro úkoly, jako je výběr barev, korekce barev a přizpůsobení barev, protože umožňuje efektivní změnu jasu, sytosti a odstínů obrazu. Příklady tohoto modelu zahrnují obory jako grafický design, úpravy videa a obrázků a používají se také v některých vědeckých oborech. </a:t>
+            </a:r>
+            <a:endParaRPr lang="en-US" dirty="0"/>
           </a:p>
         </p:txBody>
       </p:sp>
@@ -26311,7 +26280,7 @@
           <a:p>
             <a:fld id="{A327F149-D9FA-4932-BD99-DB4E84988BB6}" type="slidenum">
               <a:rPr lang="en-US" smtClean="0"/>
-              <a:t>12</a:t>
+              <a:t>11</a:t>
             </a:fld>
             <a:endParaRPr lang="en-US"/>
           </a:p>
@@ -26320,7 +26289,7 @@
     </p:spTree>
     <p:extLst>
       <p:ext uri="{BB962C8B-B14F-4D97-AF65-F5344CB8AC3E}">
-        <p14:creationId xmlns:p14="http://schemas.microsoft.com/office/powerpoint/2010/main" val="2006715218"/>
+        <p14:creationId xmlns:p14="http://schemas.microsoft.com/office/powerpoint/2010/main" val="3782743069"/>
       </p:ext>
     </p:extLst>
   </p:cSld>
@@ -26376,7 +26345,7 @@
           <a:p>
             <a:r>
               <a:rPr lang="en-US" dirty="0" err="1"/>
-              <a:t>Byl</a:t>
+              <a:t>Tedka</a:t>
             </a:r>
             <a:r>
               <a:rPr lang="en-US" dirty="0"/>
@@ -26384,7 +26353,7 @@
             </a:r>
             <a:r>
               <a:rPr lang="en-US" dirty="0" err="1"/>
-              <a:t>vyvinut</a:t>
+              <a:t>zacinam</a:t>
             </a:r>
             <a:r>
               <a:rPr lang="en-US" dirty="0"/>
@@ -26392,7 +26361,15 @@
             </a:r>
             <a:r>
               <a:rPr lang="en-US" dirty="0" err="1"/>
-              <a:t>Mezinárodní</a:t>
+              <a:t>bavit</a:t>
+            </a:r>
+            <a:r>
+              <a:rPr lang="en-US" dirty="0"/>
+              <a:t> o  </a:t>
+            </a:r>
+            <a:r>
+              <a:rPr lang="en-US" dirty="0" err="1"/>
+              <a:t>dalsi</a:t>
             </a:r>
             <a:r>
               <a:rPr lang="en-US" dirty="0"/>
@@ -26400,251 +26377,11 @@
             </a:r>
             <a:r>
               <a:rPr lang="en-US" dirty="0" err="1"/>
-              <a:t>komisí</a:t>
+              <a:t>barevne</a:t>
             </a:r>
             <a:r>
               <a:rPr lang="en-US" dirty="0"/>
-              <a:t> pro </a:t>
-            </a:r>
-            <a:r>
-              <a:rPr lang="en-US" dirty="0" err="1"/>
-              <a:t>osvětlení</a:t>
-            </a:r>
-            <a:r>
-              <a:rPr lang="en-US" dirty="0"/>
-              <a:t> (CIE) v </a:t>
-            </a:r>
-            <a:r>
-              <a:rPr lang="en-US" dirty="0" err="1"/>
-              <a:t>roce</a:t>
-            </a:r>
-            <a:r>
-              <a:rPr lang="en-US" dirty="0"/>
-              <a:t> 1930 . </a:t>
-            </a:r>
-            <a:r>
-              <a:rPr lang="en-US" dirty="0" err="1"/>
-              <a:t>Barevný</a:t>
-            </a:r>
-            <a:r>
-              <a:rPr lang="en-US" dirty="0"/>
-              <a:t> model CIE </a:t>
-            </a:r>
-            <a:r>
-              <a:rPr lang="en-US" dirty="0" err="1"/>
-              <a:t>používá</a:t>
-            </a:r>
-            <a:r>
-              <a:rPr lang="en-US" dirty="0"/>
-              <a:t> </a:t>
-            </a:r>
-            <a:r>
-              <a:rPr lang="en-US" dirty="0" err="1"/>
-              <a:t>souřadnice</a:t>
-            </a:r>
-            <a:r>
-              <a:rPr lang="en-US" dirty="0"/>
-              <a:t> X, Y a Z.  Co je </a:t>
-            </a:r>
-            <a:r>
-              <a:rPr lang="en-US" dirty="0" err="1"/>
-              <a:t>souradnice</a:t>
-            </a:r>
-            <a:r>
-              <a:rPr lang="en-US" dirty="0"/>
-              <a:t> x y z? </a:t>
-            </a:r>
-            <a:r>
-              <a:rPr lang="en-US" dirty="0" err="1"/>
-              <a:t>na</a:t>
-            </a:r>
-            <a:r>
-              <a:rPr lang="en-US" dirty="0"/>
-              <a:t> </a:t>
-            </a:r>
-            <a:r>
-              <a:rPr lang="en-US" dirty="0" err="1"/>
-              <a:t>zacatku</a:t>
-            </a:r>
-            <a:r>
-              <a:rPr lang="en-US" dirty="0"/>
-              <a:t> taky </a:t>
-            </a:r>
-            <a:r>
-              <a:rPr lang="en-US" dirty="0" err="1"/>
-              <a:t>rikal</a:t>
-            </a:r>
-            <a:r>
-              <a:rPr lang="en-US" dirty="0"/>
-              <a:t> </a:t>
-            </a:r>
-            <a:r>
-              <a:rPr lang="en-US" dirty="0" err="1"/>
-              <a:t>jsem</a:t>
-            </a:r>
-            <a:r>
-              <a:rPr lang="en-US" dirty="0"/>
-              <a:t> ze RGB je </a:t>
-            </a:r>
-            <a:r>
-              <a:rPr lang="en-US" dirty="0" err="1"/>
-              <a:t>nejdulezitejsi</a:t>
-            </a:r>
-            <a:r>
-              <a:rPr lang="en-US" dirty="0"/>
-              <a:t> </a:t>
-            </a:r>
-            <a:r>
-              <a:rPr lang="en-US" dirty="0" err="1"/>
-              <a:t>barevne</a:t>
-            </a:r>
-            <a:r>
-              <a:rPr lang="en-US" dirty="0"/>
-              <a:t> model. Proc </a:t>
-            </a:r>
-            <a:r>
-              <a:rPr lang="en-US" dirty="0" err="1"/>
-              <a:t>rgb</a:t>
-            </a:r>
-            <a:r>
-              <a:rPr lang="en-US" dirty="0"/>
-              <a:t>? </a:t>
-            </a:r>
-            <a:r>
-              <a:rPr lang="en-US" dirty="0" err="1"/>
-              <a:t>Rgb</a:t>
-            </a:r>
-            <a:r>
-              <a:rPr lang="en-US" dirty="0"/>
-              <a:t> je red green blue ze jo.  </a:t>
-            </a:r>
-            <a:r>
-              <a:rPr lang="en-US" dirty="0" err="1"/>
-              <a:t>Souradnice</a:t>
-            </a:r>
-            <a:r>
-              <a:rPr lang="en-US" dirty="0"/>
-              <a:t> x y z </a:t>
-            </a:r>
-            <a:r>
-              <a:rPr lang="en-US" dirty="0" err="1"/>
-              <a:t>znamena</a:t>
-            </a:r>
-            <a:r>
-              <a:rPr lang="en-US" dirty="0"/>
-              <a:t> </a:t>
-            </a:r>
-            <a:r>
-              <a:rPr lang="en-US" dirty="0" err="1"/>
-              <a:t>cervena</a:t>
-            </a:r>
-            <a:r>
-              <a:rPr lang="en-US" dirty="0"/>
-              <a:t> je x , y je </a:t>
-            </a:r>
-            <a:r>
-              <a:rPr lang="en-US" dirty="0" err="1"/>
-              <a:t>zelena</a:t>
-            </a:r>
-            <a:r>
-              <a:rPr lang="en-US" dirty="0"/>
-              <a:t> z je </a:t>
-            </a:r>
-            <a:r>
-              <a:rPr lang="en-US" dirty="0" err="1"/>
-              <a:t>modra</a:t>
-            </a:r>
-            <a:r>
-              <a:rPr lang="en-US" dirty="0"/>
-              <a:t>. </a:t>
-            </a:r>
-            <a:r>
-              <a:rPr lang="en-US" dirty="0" err="1"/>
-              <a:t>díky</a:t>
-            </a:r>
-            <a:r>
-              <a:rPr lang="en-US" dirty="0"/>
-              <a:t> </a:t>
-            </a:r>
-            <a:r>
-              <a:rPr lang="en-US" dirty="0" err="1"/>
-              <a:t>těmto</a:t>
-            </a:r>
-            <a:r>
-              <a:rPr lang="en-US" dirty="0"/>
-              <a:t> </a:t>
-            </a:r>
-            <a:r>
-              <a:rPr lang="en-US" dirty="0" err="1"/>
-              <a:t>souřadnicím</a:t>
-            </a:r>
-            <a:r>
-              <a:rPr lang="en-US" dirty="0"/>
-              <a:t> je </a:t>
-            </a:r>
-            <a:r>
-              <a:rPr lang="en-US" dirty="0" err="1"/>
-              <a:t>snazší</a:t>
-            </a:r>
-            <a:r>
-              <a:rPr lang="en-US" dirty="0"/>
-              <a:t> </a:t>
-            </a:r>
-            <a:r>
-              <a:rPr lang="en-US" dirty="0" err="1"/>
-              <a:t>identifikovat</a:t>
-            </a:r>
-            <a:r>
-              <a:rPr lang="en-US" dirty="0"/>
-              <a:t> </a:t>
-            </a:r>
-            <a:r>
-              <a:rPr lang="en-US" dirty="0" err="1"/>
-              <a:t>jakoukoli</a:t>
-            </a:r>
-            <a:r>
-              <a:rPr lang="en-US" dirty="0"/>
-              <a:t> </a:t>
-            </a:r>
-            <a:r>
-              <a:rPr lang="en-US" dirty="0" err="1"/>
-              <a:t>barvu</a:t>
-            </a:r>
-            <a:r>
-              <a:rPr lang="en-US" dirty="0"/>
-              <a:t>, </a:t>
-            </a:r>
-            <a:r>
-              <a:rPr lang="en-US" dirty="0" err="1"/>
-              <a:t>kterou</a:t>
-            </a:r>
-            <a:r>
-              <a:rPr lang="en-US" dirty="0"/>
-              <a:t> </a:t>
-            </a:r>
-            <a:r>
-              <a:rPr lang="en-US" dirty="0" err="1"/>
-              <a:t>lidské</a:t>
-            </a:r>
-            <a:r>
-              <a:rPr lang="en-US" dirty="0"/>
-              <a:t> </a:t>
-            </a:r>
-            <a:r>
-              <a:rPr lang="en-US" dirty="0" err="1"/>
-              <a:t>oko</a:t>
-            </a:r>
-            <a:r>
-              <a:rPr lang="en-US" dirty="0"/>
-              <a:t> </a:t>
-            </a:r>
-            <a:r>
-              <a:rPr lang="en-US" dirty="0" err="1"/>
-              <a:t>vidí</a:t>
-            </a:r>
-            <a:r>
-              <a:rPr lang="en-US" dirty="0"/>
-              <a:t>.</a:t>
+              <a:t> model. A to je CIE .</a:t>
             </a:r>
           </a:p>
         </p:txBody>
@@ -26666,7 +26403,7 @@
           <a:p>
             <a:fld id="{A327F149-D9FA-4932-BD99-DB4E84988BB6}" type="slidenum">
               <a:rPr lang="en-US" smtClean="0"/>
-              <a:t>13</a:t>
+              <a:t>12</a:t>
             </a:fld>
             <a:endParaRPr lang="en-US"/>
           </a:p>
@@ -26675,7 +26412,7 @@
     </p:spTree>
     <p:extLst>
       <p:ext uri="{BB962C8B-B14F-4D97-AF65-F5344CB8AC3E}">
-        <p14:creationId xmlns:p14="http://schemas.microsoft.com/office/powerpoint/2010/main" val="3805668159"/>
+        <p14:creationId xmlns:p14="http://schemas.microsoft.com/office/powerpoint/2010/main" val="2006715218"/>
       </p:ext>
     </p:extLst>
   </p:cSld>
@@ -26730,6 +26467,361 @@
           <a:lstStyle/>
           <a:p>
             <a:r>
+              <a:rPr lang="en-US" dirty="0" err="1"/>
+              <a:t>Byl</a:t>
+            </a:r>
+            <a:r>
+              <a:rPr lang="en-US" dirty="0"/>
+              <a:t> </a:t>
+            </a:r>
+            <a:r>
+              <a:rPr lang="en-US" dirty="0" err="1"/>
+              <a:t>vyvinut</a:t>
+            </a:r>
+            <a:r>
+              <a:rPr lang="en-US" dirty="0"/>
+              <a:t> </a:t>
+            </a:r>
+            <a:r>
+              <a:rPr lang="en-US" dirty="0" err="1"/>
+              <a:t>Mezinárodní</a:t>
+            </a:r>
+            <a:r>
+              <a:rPr lang="en-US" dirty="0"/>
+              <a:t> </a:t>
+            </a:r>
+            <a:r>
+              <a:rPr lang="en-US" dirty="0" err="1"/>
+              <a:t>komisí</a:t>
+            </a:r>
+            <a:r>
+              <a:rPr lang="en-US" dirty="0"/>
+              <a:t> pro </a:t>
+            </a:r>
+            <a:r>
+              <a:rPr lang="en-US" dirty="0" err="1"/>
+              <a:t>osvětlení</a:t>
+            </a:r>
+            <a:r>
+              <a:rPr lang="en-US" dirty="0"/>
+              <a:t> (CIE) v </a:t>
+            </a:r>
+            <a:r>
+              <a:rPr lang="en-US" dirty="0" err="1"/>
+              <a:t>roce</a:t>
+            </a:r>
+            <a:r>
+              <a:rPr lang="en-US" dirty="0"/>
+              <a:t> 1930 . </a:t>
+            </a:r>
+            <a:r>
+              <a:rPr lang="en-US" dirty="0" err="1"/>
+              <a:t>Barevný</a:t>
+            </a:r>
+            <a:r>
+              <a:rPr lang="en-US" dirty="0"/>
+              <a:t> model CIE </a:t>
+            </a:r>
+            <a:r>
+              <a:rPr lang="en-US" dirty="0" err="1"/>
+              <a:t>používá</a:t>
+            </a:r>
+            <a:r>
+              <a:rPr lang="en-US" dirty="0"/>
+              <a:t> </a:t>
+            </a:r>
+            <a:r>
+              <a:rPr lang="en-US" dirty="0" err="1"/>
+              <a:t>souřadnice</a:t>
+            </a:r>
+            <a:r>
+              <a:rPr lang="en-US" dirty="0"/>
+              <a:t> X, Y a Z.  Co je </a:t>
+            </a:r>
+            <a:r>
+              <a:rPr lang="en-US" dirty="0" err="1"/>
+              <a:t>souradnice</a:t>
+            </a:r>
+            <a:r>
+              <a:rPr lang="en-US" dirty="0"/>
+              <a:t> x y z? </a:t>
+            </a:r>
+            <a:r>
+              <a:rPr lang="en-US" dirty="0" err="1"/>
+              <a:t>na</a:t>
+            </a:r>
+            <a:r>
+              <a:rPr lang="en-US" dirty="0"/>
+              <a:t> </a:t>
+            </a:r>
+            <a:r>
+              <a:rPr lang="en-US" dirty="0" err="1"/>
+              <a:t>zacatku</a:t>
+            </a:r>
+            <a:r>
+              <a:rPr lang="en-US" dirty="0"/>
+              <a:t> taky </a:t>
+            </a:r>
+            <a:r>
+              <a:rPr lang="en-US" dirty="0" err="1"/>
+              <a:t>rikal</a:t>
+            </a:r>
+            <a:r>
+              <a:rPr lang="en-US" dirty="0"/>
+              <a:t> </a:t>
+            </a:r>
+            <a:r>
+              <a:rPr lang="en-US" dirty="0" err="1"/>
+              <a:t>jsem</a:t>
+            </a:r>
+            <a:r>
+              <a:rPr lang="en-US" dirty="0"/>
+              <a:t> ze RGB je </a:t>
+            </a:r>
+            <a:r>
+              <a:rPr lang="en-US" dirty="0" err="1"/>
+              <a:t>nejdulezitejsi</a:t>
+            </a:r>
+            <a:r>
+              <a:rPr lang="en-US" dirty="0"/>
+              <a:t> </a:t>
+            </a:r>
+            <a:r>
+              <a:rPr lang="en-US" dirty="0" err="1"/>
+              <a:t>barevne</a:t>
+            </a:r>
+            <a:r>
+              <a:rPr lang="en-US" dirty="0"/>
+              <a:t> model. Proc </a:t>
+            </a:r>
+            <a:r>
+              <a:rPr lang="en-US" dirty="0" err="1"/>
+              <a:t>rgb</a:t>
+            </a:r>
+            <a:r>
+              <a:rPr lang="en-US" dirty="0"/>
+              <a:t>? </a:t>
+            </a:r>
+            <a:r>
+              <a:rPr lang="en-US" dirty="0" err="1"/>
+              <a:t>Rgb</a:t>
+            </a:r>
+            <a:r>
+              <a:rPr lang="en-US" dirty="0"/>
+              <a:t> je red green blue ze jo.  </a:t>
+            </a:r>
+            <a:r>
+              <a:rPr lang="en-US" dirty="0" err="1"/>
+              <a:t>Souradnice</a:t>
+            </a:r>
+            <a:r>
+              <a:rPr lang="en-US" dirty="0"/>
+              <a:t> x y z </a:t>
+            </a:r>
+            <a:r>
+              <a:rPr lang="en-US" dirty="0" err="1"/>
+              <a:t>znamena</a:t>
+            </a:r>
+            <a:r>
+              <a:rPr lang="en-US" dirty="0"/>
+              <a:t> </a:t>
+            </a:r>
+            <a:r>
+              <a:rPr lang="en-US" dirty="0" err="1"/>
+              <a:t>cervena</a:t>
+            </a:r>
+            <a:r>
+              <a:rPr lang="en-US" dirty="0"/>
+              <a:t> je x , y je </a:t>
+            </a:r>
+            <a:r>
+              <a:rPr lang="en-US" dirty="0" err="1"/>
+              <a:t>zelena</a:t>
+            </a:r>
+            <a:r>
+              <a:rPr lang="en-US" dirty="0"/>
+              <a:t> z je </a:t>
+            </a:r>
+            <a:r>
+              <a:rPr lang="en-US" dirty="0" err="1"/>
+              <a:t>modra</a:t>
+            </a:r>
+            <a:r>
+              <a:rPr lang="en-US" dirty="0"/>
+              <a:t>. </a:t>
+            </a:r>
+            <a:r>
+              <a:rPr lang="en-US" dirty="0" err="1"/>
+              <a:t>díky</a:t>
+            </a:r>
+            <a:r>
+              <a:rPr lang="en-US" dirty="0"/>
+              <a:t> </a:t>
+            </a:r>
+            <a:r>
+              <a:rPr lang="en-US" dirty="0" err="1"/>
+              <a:t>těmto</a:t>
+            </a:r>
+            <a:r>
+              <a:rPr lang="en-US" dirty="0"/>
+              <a:t> </a:t>
+            </a:r>
+            <a:r>
+              <a:rPr lang="en-US" dirty="0" err="1"/>
+              <a:t>souřadnicím</a:t>
+            </a:r>
+            <a:r>
+              <a:rPr lang="en-US" dirty="0"/>
+              <a:t> je </a:t>
+            </a:r>
+            <a:r>
+              <a:rPr lang="en-US" dirty="0" err="1"/>
+              <a:t>snazší</a:t>
+            </a:r>
+            <a:r>
+              <a:rPr lang="en-US" dirty="0"/>
+              <a:t> </a:t>
+            </a:r>
+            <a:r>
+              <a:rPr lang="en-US" dirty="0" err="1"/>
+              <a:t>identifikovat</a:t>
+            </a:r>
+            <a:r>
+              <a:rPr lang="en-US" dirty="0"/>
+              <a:t> </a:t>
+            </a:r>
+            <a:r>
+              <a:rPr lang="en-US" dirty="0" err="1"/>
+              <a:t>jakoukoli</a:t>
+            </a:r>
+            <a:r>
+              <a:rPr lang="en-US" dirty="0"/>
+              <a:t> </a:t>
+            </a:r>
+            <a:r>
+              <a:rPr lang="en-US" dirty="0" err="1"/>
+              <a:t>barvu</a:t>
+            </a:r>
+            <a:r>
+              <a:rPr lang="en-US" dirty="0"/>
+              <a:t>, </a:t>
+            </a:r>
+            <a:r>
+              <a:rPr lang="en-US" dirty="0" err="1"/>
+              <a:t>kterou</a:t>
+            </a:r>
+            <a:r>
+              <a:rPr lang="en-US" dirty="0"/>
+              <a:t> </a:t>
+            </a:r>
+            <a:r>
+              <a:rPr lang="en-US" dirty="0" err="1"/>
+              <a:t>lidské</a:t>
+            </a:r>
+            <a:r>
+              <a:rPr lang="en-US" dirty="0"/>
+              <a:t> </a:t>
+            </a:r>
+            <a:r>
+              <a:rPr lang="en-US" dirty="0" err="1"/>
+              <a:t>oko</a:t>
+            </a:r>
+            <a:r>
+              <a:rPr lang="en-US" dirty="0"/>
+              <a:t> </a:t>
+            </a:r>
+            <a:r>
+              <a:rPr lang="en-US" dirty="0" err="1"/>
+              <a:t>vidí</a:t>
+            </a:r>
+            <a:r>
+              <a:rPr lang="en-US" dirty="0"/>
+              <a:t>.</a:t>
+            </a:r>
+          </a:p>
+        </p:txBody>
+      </p:sp>
+      <p:sp>
+        <p:nvSpPr>
+          <p:cNvPr id="4" name="Slide Number Placeholder 3"/>
+          <p:cNvSpPr>
+            <a:spLocks noGrp="1"/>
+          </p:cNvSpPr>
+          <p:nvPr>
+            <p:ph type="sldNum" sz="quarter" idx="5"/>
+          </p:nvPr>
+        </p:nvSpPr>
+        <p:spPr/>
+        <p:txBody>
+          <a:bodyPr/>
+          <a:lstStyle/>
+          <a:p>
+            <a:fld id="{A327F149-D9FA-4932-BD99-DB4E84988BB6}" type="slidenum">
+              <a:rPr lang="en-US" smtClean="0"/>
+              <a:t>13</a:t>
+            </a:fld>
+            <a:endParaRPr lang="en-US"/>
+          </a:p>
+        </p:txBody>
+      </p:sp>
+    </p:spTree>
+    <p:extLst>
+      <p:ext uri="{BB962C8B-B14F-4D97-AF65-F5344CB8AC3E}">
+        <p14:creationId xmlns:p14="http://schemas.microsoft.com/office/powerpoint/2010/main" val="3805668159"/>
+      </p:ext>
+    </p:extLst>
+  </p:cSld>
+  <p:clrMapOvr>
+    <a:masterClrMapping/>
+  </p:clrMapOvr>
+</p:notes>
+</file>
+
+<file path=ppt/notesSlides/notesSlide14.xml><?xml version="1.0" encoding="utf-8"?>
+<p:notes xmlns:a="http://schemas.openxmlformats.org/drawingml/2006/main" xmlns:r="http://schemas.openxmlformats.org/officeDocument/2006/relationships" xmlns:p="http://schemas.openxmlformats.org/presentationml/2006/main">
+  <p:cSld>
+    <p:spTree>
+      <p:nvGrpSpPr>
+        <p:cNvPr id="1" name=""/>
+        <p:cNvGrpSpPr/>
+        <p:nvPr/>
+      </p:nvGrpSpPr>
+      <p:grpSpPr>
+        <a:xfrm>
+          <a:off x="0" y="0"/>
+          <a:ext cx="0" cy="0"/>
+          <a:chOff x="0" y="0"/>
+          <a:chExt cx="0" cy="0"/>
+        </a:xfrm>
+      </p:grpSpPr>
+      <p:sp>
+        <p:nvSpPr>
+          <p:cNvPr id="2" name="Slide Image Placeholder 1"/>
+          <p:cNvSpPr>
+            <a:spLocks noGrp="1" noRot="1" noChangeAspect="1"/>
+          </p:cNvSpPr>
+          <p:nvPr>
+            <p:ph type="sldImg"/>
+          </p:nvPr>
+        </p:nvSpPr>
+        <p:spPr/>
+      </p:sp>
+      <p:sp>
+        <p:nvSpPr>
+          <p:cNvPr id="3" name="Notes Placeholder 2"/>
+          <p:cNvSpPr>
+            <a:spLocks noGrp="1"/>
+          </p:cNvSpPr>
+          <p:nvPr>
+            <p:ph type="body" idx="1"/>
+          </p:nvPr>
+        </p:nvSpPr>
+        <p:spPr/>
+        <p:txBody>
+          <a:bodyPr/>
+          <a:lstStyle/>
+          <a:p>
+            <a:r>
               <a:rPr lang="en-US" dirty="0"/>
               <a:t>A ted </a:t>
             </a:r>
@@ -26836,7 +26928,7 @@
 </p:notes>
 </file>
 
-<file path=ppt/notesSlides/notesSlide14.xml><?xml version="1.0" encoding="utf-8"?>
+<file path=ppt/notesSlides/notesSlide15.xml><?xml version="1.0" encoding="utf-8"?>
 <p:notes xmlns:a="http://schemas.openxmlformats.org/drawingml/2006/main" xmlns:r="http://schemas.openxmlformats.org/officeDocument/2006/relationships" xmlns:p="http://schemas.openxmlformats.org/presentationml/2006/main">
   <p:cSld>
     <p:spTree>
@@ -27283,7 +27375,7 @@
 </p:notes>
 </file>
 
-<file path=ppt/notesSlides/notesSlide15.xml><?xml version="1.0" encoding="utf-8"?>
+<file path=ppt/notesSlides/notesSlide16.xml><?xml version="1.0" encoding="utf-8"?>
 <p:notes xmlns:a="http://schemas.openxmlformats.org/drawingml/2006/main" xmlns:r="http://schemas.openxmlformats.org/officeDocument/2006/relationships" xmlns:p="http://schemas.openxmlformats.org/presentationml/2006/main">
   <p:cSld>
     <p:spTree>
@@ -27450,7 +27542,7 @@
 </p:notes>
 </file>
 
-<file path=ppt/notesSlides/notesSlide16.xml><?xml version="1.0" encoding="utf-8"?>
+<file path=ppt/notesSlides/notesSlide17.xml><?xml version="1.0" encoding="utf-8"?>
 <p:notes xmlns:a="http://schemas.openxmlformats.org/drawingml/2006/main" xmlns:r="http://schemas.openxmlformats.org/officeDocument/2006/relationships" xmlns:p="http://schemas.openxmlformats.org/presentationml/2006/main">
   <p:cSld>
     <p:spTree>
@@ -27844,7 +27936,7 @@
 </p:notes>
 </file>
 
-<file path=ppt/notesSlides/notesSlide17.xml><?xml version="1.0" encoding="utf-8"?>
+<file path=ppt/notesSlides/notesSlide18.xml><?xml version="1.0" encoding="utf-8"?>
 <p:notes xmlns:a="http://schemas.openxmlformats.org/drawingml/2006/main" xmlns:r="http://schemas.openxmlformats.org/officeDocument/2006/relationships" xmlns:p="http://schemas.openxmlformats.org/presentationml/2006/main">
   <p:cSld>
     <p:spTree>
@@ -28015,7 +28107,7 @@
 </p:notes>
 </file>
 
-<file path=ppt/notesSlides/notesSlide18.xml><?xml version="1.0" encoding="utf-8"?>
+<file path=ppt/notesSlides/notesSlide19.xml><?xml version="1.0" encoding="utf-8"?>
 <p:notes xmlns:a="http://schemas.openxmlformats.org/drawingml/2006/main" xmlns:r="http://schemas.openxmlformats.org/officeDocument/2006/relationships" xmlns:p="http://schemas.openxmlformats.org/presentationml/2006/main">
   <p:cSld>
     <p:spTree>
@@ -28290,317 +28382,6 @@
 </p:notes>
 </file>
 
-<file path=ppt/notesSlides/notesSlide19.xml><?xml version="1.0" encoding="utf-8"?>
-<p:notes xmlns:a="http://schemas.openxmlformats.org/drawingml/2006/main" xmlns:r="http://schemas.openxmlformats.org/officeDocument/2006/relationships" xmlns:p="http://schemas.openxmlformats.org/presentationml/2006/main">
-  <p:cSld>
-    <p:spTree>
-      <p:nvGrpSpPr>
-        <p:cNvPr id="1" name=""/>
-        <p:cNvGrpSpPr/>
-        <p:nvPr/>
-      </p:nvGrpSpPr>
-      <p:grpSpPr>
-        <a:xfrm>
-          <a:off x="0" y="0"/>
-          <a:ext cx="0" cy="0"/>
-          <a:chOff x="0" y="0"/>
-          <a:chExt cx="0" cy="0"/>
-        </a:xfrm>
-      </p:grpSpPr>
-      <p:sp>
-        <p:nvSpPr>
-          <p:cNvPr id="2" name="Slide Image Placeholder 1"/>
-          <p:cNvSpPr>
-            <a:spLocks noGrp="1" noRot="1" noChangeAspect="1"/>
-          </p:cNvSpPr>
-          <p:nvPr>
-            <p:ph type="sldImg"/>
-          </p:nvPr>
-        </p:nvSpPr>
-        <p:spPr/>
-      </p:sp>
-      <p:sp>
-        <p:nvSpPr>
-          <p:cNvPr id="3" name="Notes Placeholder 2"/>
-          <p:cNvSpPr>
-            <a:spLocks noGrp="1"/>
-          </p:cNvSpPr>
-          <p:nvPr>
-            <p:ph type="body" idx="1"/>
-          </p:nvPr>
-        </p:nvSpPr>
-        <p:spPr/>
-        <p:txBody>
-          <a:bodyPr/>
-          <a:lstStyle/>
-          <a:p>
-            <a:r>
-              <a:rPr lang="en-US" dirty="0"/>
-              <a:t>Na to </a:t>
-            </a:r>
-            <a:r>
-              <a:rPr lang="en-US" dirty="0" err="1"/>
-              <a:t>potrebujeme</a:t>
-            </a:r>
-            <a:r>
-              <a:rPr lang="en-US" dirty="0"/>
-              <a:t> </a:t>
-            </a:r>
-            <a:r>
-              <a:rPr lang="en-US" dirty="0" err="1"/>
-              <a:t>kolorimetr</a:t>
-            </a:r>
-            <a:r>
-              <a:rPr lang="en-US" dirty="0"/>
-              <a:t> </a:t>
-            </a:r>
-            <a:r>
-              <a:rPr lang="en-US" dirty="0" err="1"/>
-              <a:t>nebo</a:t>
-            </a:r>
-            <a:r>
-              <a:rPr lang="en-US" dirty="0"/>
-              <a:t> </a:t>
-            </a:r>
-            <a:r>
-              <a:rPr lang="en-US" dirty="0" err="1"/>
-              <a:t>spektrofotometr</a:t>
-            </a:r>
-            <a:r>
-              <a:rPr lang="en-US" dirty="0"/>
-              <a:t>. Na </a:t>
-            </a:r>
-            <a:r>
-              <a:rPr lang="en-US" dirty="0" err="1"/>
-              <a:t>fotce</a:t>
-            </a:r>
-            <a:r>
-              <a:rPr lang="en-US" dirty="0"/>
-              <a:t> ja </a:t>
-            </a:r>
-            <a:r>
-              <a:rPr lang="en-US" dirty="0" err="1"/>
-              <a:t>vam</a:t>
-            </a:r>
-            <a:r>
-              <a:rPr lang="en-US" dirty="0"/>
-              <a:t> </a:t>
-            </a:r>
-            <a:r>
-              <a:rPr lang="en-US" dirty="0" err="1"/>
-              <a:t>ukazu</a:t>
-            </a:r>
-            <a:r>
-              <a:rPr lang="en-US" dirty="0"/>
-              <a:t> jak to </a:t>
-            </a:r>
-            <a:r>
-              <a:rPr lang="en-US" dirty="0" err="1"/>
-              <a:t>vypada</a:t>
-            </a:r>
-            <a:r>
-              <a:rPr lang="en-US" dirty="0"/>
-              <a:t>. </a:t>
-            </a:r>
-            <a:r>
-              <a:rPr lang="en-US" dirty="0" err="1"/>
-              <a:t>Prvním</a:t>
-            </a:r>
-            <a:r>
-              <a:rPr lang="en-US" dirty="0"/>
-              <a:t> </a:t>
-            </a:r>
-            <a:r>
-              <a:rPr lang="en-US" dirty="0" err="1"/>
-              <a:t>krokem</a:t>
-            </a:r>
-            <a:r>
-              <a:rPr lang="en-US" dirty="0"/>
-              <a:t> je </a:t>
-            </a:r>
-            <a:r>
-              <a:rPr lang="en-US" dirty="0" err="1"/>
-              <a:t>změření</a:t>
-            </a:r>
-            <a:r>
-              <a:rPr lang="en-US" dirty="0"/>
-              <a:t> </a:t>
-            </a:r>
-            <a:r>
-              <a:rPr lang="en-US" dirty="0" err="1"/>
-              <a:t>aktuálního</a:t>
-            </a:r>
-            <a:r>
-              <a:rPr lang="en-US" dirty="0"/>
-              <a:t> </a:t>
-            </a:r>
-            <a:r>
-              <a:rPr lang="en-US" dirty="0" err="1"/>
-              <a:t>barevného</a:t>
-            </a:r>
-            <a:r>
-              <a:rPr lang="en-US" dirty="0"/>
-              <a:t> </a:t>
-            </a:r>
-            <a:r>
-              <a:rPr lang="en-US" dirty="0" err="1"/>
-              <a:t>výstupu</a:t>
-            </a:r>
-            <a:r>
-              <a:rPr lang="en-US" dirty="0"/>
-              <a:t> </a:t>
-            </a:r>
-            <a:r>
-              <a:rPr lang="en-US" dirty="0" err="1"/>
-              <a:t>zařízení</a:t>
-            </a:r>
-            <a:r>
-              <a:rPr lang="en-US" dirty="0"/>
-              <a:t> </a:t>
-            </a:r>
-            <a:r>
-              <a:rPr lang="en-US" dirty="0" err="1"/>
-              <a:t>pomocí</a:t>
-            </a:r>
-            <a:r>
-              <a:rPr lang="en-US" dirty="0"/>
-              <a:t> </a:t>
-            </a:r>
-            <a:r>
-              <a:rPr lang="en-US" dirty="0" err="1"/>
-              <a:t>kolorimetru</a:t>
-            </a:r>
-            <a:r>
-              <a:rPr lang="en-US" dirty="0"/>
-              <a:t> </a:t>
-            </a:r>
-            <a:r>
-              <a:rPr lang="en-US" dirty="0" err="1"/>
-              <a:t>nebo</a:t>
-            </a:r>
-            <a:r>
-              <a:rPr lang="en-US" dirty="0"/>
-              <a:t> </a:t>
-            </a:r>
-            <a:r>
-              <a:rPr lang="en-US" dirty="0" err="1"/>
-              <a:t>spektrofotometru</a:t>
-            </a:r>
-            <a:r>
-              <a:rPr lang="en-US" dirty="0"/>
-              <a:t>, </a:t>
-            </a:r>
-            <a:r>
-              <a:rPr lang="en-US" dirty="0" err="1"/>
-              <a:t>poté</a:t>
-            </a:r>
-            <a:r>
-              <a:rPr lang="en-US" dirty="0"/>
-              <a:t> se </a:t>
-            </a:r>
-            <a:r>
-              <a:rPr lang="en-US" dirty="0" err="1"/>
-              <a:t>barevný</a:t>
-            </a:r>
-            <a:r>
-              <a:rPr lang="en-US" dirty="0"/>
-              <a:t> </a:t>
-            </a:r>
-            <a:r>
-              <a:rPr lang="en-US" dirty="0" err="1"/>
-              <a:t>profil</a:t>
-            </a:r>
-            <a:r>
-              <a:rPr lang="en-US" dirty="0"/>
-              <a:t> </a:t>
-            </a:r>
-            <a:r>
-              <a:rPr lang="en-US" dirty="0" err="1"/>
-              <a:t>nahraje</a:t>
-            </a:r>
-            <a:r>
-              <a:rPr lang="en-US" dirty="0"/>
-              <a:t> do </a:t>
-            </a:r>
-            <a:r>
-              <a:rPr lang="en-US" dirty="0" err="1"/>
-              <a:t>zařízení</a:t>
-            </a:r>
-            <a:r>
-              <a:rPr lang="en-US" dirty="0"/>
-              <a:t>. </a:t>
-            </a:r>
-            <a:r>
-              <a:rPr lang="en-US" dirty="0" err="1"/>
-              <a:t>Treba</a:t>
-            </a:r>
-            <a:r>
-              <a:rPr lang="en-US" dirty="0"/>
-              <a:t> </a:t>
-            </a:r>
-            <a:r>
-              <a:rPr lang="en-US" dirty="0" err="1"/>
-              <a:t>na</a:t>
-            </a:r>
-            <a:r>
-              <a:rPr lang="en-US" dirty="0"/>
-              <a:t> monitor. A </a:t>
-            </a:r>
-            <a:r>
-              <a:rPr lang="en-US" dirty="0" err="1"/>
-              <a:t>takhle</a:t>
-            </a:r>
-            <a:r>
-              <a:rPr lang="en-US" dirty="0"/>
-              <a:t> to </a:t>
-            </a:r>
-            <a:r>
-              <a:rPr lang="en-US" dirty="0" err="1"/>
-              <a:t>funguje</a:t>
-            </a:r>
-            <a:r>
-              <a:rPr lang="en-US" dirty="0"/>
-              <a:t>.  </a:t>
-            </a:r>
-          </a:p>
-        </p:txBody>
-      </p:sp>
-      <p:sp>
-        <p:nvSpPr>
-          <p:cNvPr id="4" name="Slide Number Placeholder 3"/>
-          <p:cNvSpPr>
-            <a:spLocks noGrp="1"/>
-          </p:cNvSpPr>
-          <p:nvPr>
-            <p:ph type="sldNum" sz="quarter" idx="5"/>
-          </p:nvPr>
-        </p:nvSpPr>
-        <p:spPr/>
-        <p:txBody>
-          <a:bodyPr/>
-          <a:lstStyle/>
-          <a:p>
-            <a:fld id="{A327F149-D9FA-4932-BD99-DB4E84988BB6}" type="slidenum">
-              <a:rPr lang="en-US" smtClean="0"/>
-              <a:t>20</a:t>
-            </a:fld>
-            <a:endParaRPr lang="en-US"/>
-          </a:p>
-        </p:txBody>
-      </p:sp>
-    </p:spTree>
-    <p:extLst>
-      <p:ext uri="{BB962C8B-B14F-4D97-AF65-F5344CB8AC3E}">
-        <p14:creationId xmlns:p14="http://schemas.microsoft.com/office/powerpoint/2010/main" val="1265724878"/>
-      </p:ext>
-    </p:extLst>
-  </p:cSld>
-  <p:clrMapOvr>
-    <a:masterClrMapping/>
-  </p:clrMapOvr>
-</p:notes>
-</file>
-
 <file path=ppt/notesSlides/notesSlide2.xml><?xml version="1.0" encoding="utf-8"?>
 <p:notes xmlns:a="http://schemas.openxmlformats.org/drawingml/2006/main" xmlns:r="http://schemas.openxmlformats.org/officeDocument/2006/relationships" xmlns:p="http://schemas.openxmlformats.org/presentationml/2006/main">
   <p:cSld>
@@ -28972,6 +28753,317 @@
     <p:extLst>
       <p:ext uri="{BB962C8B-B14F-4D97-AF65-F5344CB8AC3E}">
         <p14:creationId xmlns:p14="http://schemas.microsoft.com/office/powerpoint/2010/main" val="564451713"/>
+      </p:ext>
+    </p:extLst>
+  </p:cSld>
+  <p:clrMapOvr>
+    <a:masterClrMapping/>
+  </p:clrMapOvr>
+</p:notes>
+</file>
+
+<file path=ppt/notesSlides/notesSlide20.xml><?xml version="1.0" encoding="utf-8"?>
+<p:notes xmlns:a="http://schemas.openxmlformats.org/drawingml/2006/main" xmlns:r="http://schemas.openxmlformats.org/officeDocument/2006/relationships" xmlns:p="http://schemas.openxmlformats.org/presentationml/2006/main">
+  <p:cSld>
+    <p:spTree>
+      <p:nvGrpSpPr>
+        <p:cNvPr id="1" name=""/>
+        <p:cNvGrpSpPr/>
+        <p:nvPr/>
+      </p:nvGrpSpPr>
+      <p:grpSpPr>
+        <a:xfrm>
+          <a:off x="0" y="0"/>
+          <a:ext cx="0" cy="0"/>
+          <a:chOff x="0" y="0"/>
+          <a:chExt cx="0" cy="0"/>
+        </a:xfrm>
+      </p:grpSpPr>
+      <p:sp>
+        <p:nvSpPr>
+          <p:cNvPr id="2" name="Slide Image Placeholder 1"/>
+          <p:cNvSpPr>
+            <a:spLocks noGrp="1" noRot="1" noChangeAspect="1"/>
+          </p:cNvSpPr>
+          <p:nvPr>
+            <p:ph type="sldImg"/>
+          </p:nvPr>
+        </p:nvSpPr>
+        <p:spPr/>
+      </p:sp>
+      <p:sp>
+        <p:nvSpPr>
+          <p:cNvPr id="3" name="Notes Placeholder 2"/>
+          <p:cNvSpPr>
+            <a:spLocks noGrp="1"/>
+          </p:cNvSpPr>
+          <p:nvPr>
+            <p:ph type="body" idx="1"/>
+          </p:nvPr>
+        </p:nvSpPr>
+        <p:spPr/>
+        <p:txBody>
+          <a:bodyPr/>
+          <a:lstStyle/>
+          <a:p>
+            <a:r>
+              <a:rPr lang="en-US" dirty="0"/>
+              <a:t>Na to </a:t>
+            </a:r>
+            <a:r>
+              <a:rPr lang="en-US" dirty="0" err="1"/>
+              <a:t>potrebujeme</a:t>
+            </a:r>
+            <a:r>
+              <a:rPr lang="en-US" dirty="0"/>
+              <a:t> </a:t>
+            </a:r>
+            <a:r>
+              <a:rPr lang="en-US" dirty="0" err="1"/>
+              <a:t>kolorimetr</a:t>
+            </a:r>
+            <a:r>
+              <a:rPr lang="en-US" dirty="0"/>
+              <a:t> </a:t>
+            </a:r>
+            <a:r>
+              <a:rPr lang="en-US" dirty="0" err="1"/>
+              <a:t>nebo</a:t>
+            </a:r>
+            <a:r>
+              <a:rPr lang="en-US" dirty="0"/>
+              <a:t> </a:t>
+            </a:r>
+            <a:r>
+              <a:rPr lang="en-US" dirty="0" err="1"/>
+              <a:t>spektrofotometr</a:t>
+            </a:r>
+            <a:r>
+              <a:rPr lang="en-US" dirty="0"/>
+              <a:t>. Na </a:t>
+            </a:r>
+            <a:r>
+              <a:rPr lang="en-US" dirty="0" err="1"/>
+              <a:t>fotce</a:t>
+            </a:r>
+            <a:r>
+              <a:rPr lang="en-US" dirty="0"/>
+              <a:t> ja </a:t>
+            </a:r>
+            <a:r>
+              <a:rPr lang="en-US" dirty="0" err="1"/>
+              <a:t>vam</a:t>
+            </a:r>
+            <a:r>
+              <a:rPr lang="en-US" dirty="0"/>
+              <a:t> </a:t>
+            </a:r>
+            <a:r>
+              <a:rPr lang="en-US" dirty="0" err="1"/>
+              <a:t>ukazu</a:t>
+            </a:r>
+            <a:r>
+              <a:rPr lang="en-US" dirty="0"/>
+              <a:t> jak to </a:t>
+            </a:r>
+            <a:r>
+              <a:rPr lang="en-US" dirty="0" err="1"/>
+              <a:t>vypada</a:t>
+            </a:r>
+            <a:r>
+              <a:rPr lang="en-US" dirty="0"/>
+              <a:t>. </a:t>
+            </a:r>
+            <a:r>
+              <a:rPr lang="en-US" dirty="0" err="1"/>
+              <a:t>Prvním</a:t>
+            </a:r>
+            <a:r>
+              <a:rPr lang="en-US" dirty="0"/>
+              <a:t> </a:t>
+            </a:r>
+            <a:r>
+              <a:rPr lang="en-US" dirty="0" err="1"/>
+              <a:t>krokem</a:t>
+            </a:r>
+            <a:r>
+              <a:rPr lang="en-US" dirty="0"/>
+              <a:t> je </a:t>
+            </a:r>
+            <a:r>
+              <a:rPr lang="en-US" dirty="0" err="1"/>
+              <a:t>změření</a:t>
+            </a:r>
+            <a:r>
+              <a:rPr lang="en-US" dirty="0"/>
+              <a:t> </a:t>
+            </a:r>
+            <a:r>
+              <a:rPr lang="en-US" dirty="0" err="1"/>
+              <a:t>aktuálního</a:t>
+            </a:r>
+            <a:r>
+              <a:rPr lang="en-US" dirty="0"/>
+              <a:t> </a:t>
+            </a:r>
+            <a:r>
+              <a:rPr lang="en-US" dirty="0" err="1"/>
+              <a:t>barevného</a:t>
+            </a:r>
+            <a:r>
+              <a:rPr lang="en-US" dirty="0"/>
+              <a:t> </a:t>
+            </a:r>
+            <a:r>
+              <a:rPr lang="en-US" dirty="0" err="1"/>
+              <a:t>výstupu</a:t>
+            </a:r>
+            <a:r>
+              <a:rPr lang="en-US" dirty="0"/>
+              <a:t> </a:t>
+            </a:r>
+            <a:r>
+              <a:rPr lang="en-US" dirty="0" err="1"/>
+              <a:t>zařízení</a:t>
+            </a:r>
+            <a:r>
+              <a:rPr lang="en-US" dirty="0"/>
+              <a:t> </a:t>
+            </a:r>
+            <a:r>
+              <a:rPr lang="en-US" dirty="0" err="1"/>
+              <a:t>pomocí</a:t>
+            </a:r>
+            <a:r>
+              <a:rPr lang="en-US" dirty="0"/>
+              <a:t> </a:t>
+            </a:r>
+            <a:r>
+              <a:rPr lang="en-US" dirty="0" err="1"/>
+              <a:t>kolorimetru</a:t>
+            </a:r>
+            <a:r>
+              <a:rPr lang="en-US" dirty="0"/>
+              <a:t> </a:t>
+            </a:r>
+            <a:r>
+              <a:rPr lang="en-US" dirty="0" err="1"/>
+              <a:t>nebo</a:t>
+            </a:r>
+            <a:r>
+              <a:rPr lang="en-US" dirty="0"/>
+              <a:t> </a:t>
+            </a:r>
+            <a:r>
+              <a:rPr lang="en-US" dirty="0" err="1"/>
+              <a:t>spektrofotometru</a:t>
+            </a:r>
+            <a:r>
+              <a:rPr lang="en-US" dirty="0"/>
+              <a:t>, </a:t>
+            </a:r>
+            <a:r>
+              <a:rPr lang="en-US" dirty="0" err="1"/>
+              <a:t>poté</a:t>
+            </a:r>
+            <a:r>
+              <a:rPr lang="en-US" dirty="0"/>
+              <a:t> se </a:t>
+            </a:r>
+            <a:r>
+              <a:rPr lang="en-US" dirty="0" err="1"/>
+              <a:t>barevný</a:t>
+            </a:r>
+            <a:r>
+              <a:rPr lang="en-US" dirty="0"/>
+              <a:t> </a:t>
+            </a:r>
+            <a:r>
+              <a:rPr lang="en-US" dirty="0" err="1"/>
+              <a:t>profil</a:t>
+            </a:r>
+            <a:r>
+              <a:rPr lang="en-US" dirty="0"/>
+              <a:t> </a:t>
+            </a:r>
+            <a:r>
+              <a:rPr lang="en-US" dirty="0" err="1"/>
+              <a:t>nahraje</a:t>
+            </a:r>
+            <a:r>
+              <a:rPr lang="en-US" dirty="0"/>
+              <a:t> do </a:t>
+            </a:r>
+            <a:r>
+              <a:rPr lang="en-US" dirty="0" err="1"/>
+              <a:t>zařízení</a:t>
+            </a:r>
+            <a:r>
+              <a:rPr lang="en-US" dirty="0"/>
+              <a:t>. </a:t>
+            </a:r>
+            <a:r>
+              <a:rPr lang="en-US" dirty="0" err="1"/>
+              <a:t>Treba</a:t>
+            </a:r>
+            <a:r>
+              <a:rPr lang="en-US" dirty="0"/>
+              <a:t> </a:t>
+            </a:r>
+            <a:r>
+              <a:rPr lang="en-US" dirty="0" err="1"/>
+              <a:t>na</a:t>
+            </a:r>
+            <a:r>
+              <a:rPr lang="en-US" dirty="0"/>
+              <a:t> monitor. A </a:t>
+            </a:r>
+            <a:r>
+              <a:rPr lang="en-US" dirty="0" err="1"/>
+              <a:t>takhle</a:t>
+            </a:r>
+            <a:r>
+              <a:rPr lang="en-US" dirty="0"/>
+              <a:t> to </a:t>
+            </a:r>
+            <a:r>
+              <a:rPr lang="en-US" dirty="0" err="1"/>
+              <a:t>funguje</a:t>
+            </a:r>
+            <a:r>
+              <a:rPr lang="en-US" dirty="0"/>
+              <a:t>.  </a:t>
+            </a:r>
+          </a:p>
+        </p:txBody>
+      </p:sp>
+      <p:sp>
+        <p:nvSpPr>
+          <p:cNvPr id="4" name="Slide Number Placeholder 3"/>
+          <p:cNvSpPr>
+            <a:spLocks noGrp="1"/>
+          </p:cNvSpPr>
+          <p:nvPr>
+            <p:ph type="sldNum" sz="quarter" idx="5"/>
+          </p:nvPr>
+        </p:nvSpPr>
+        <p:spPr/>
+        <p:txBody>
+          <a:bodyPr/>
+          <a:lstStyle/>
+          <a:p>
+            <a:fld id="{A327F149-D9FA-4932-BD99-DB4E84988BB6}" type="slidenum">
+              <a:rPr lang="en-US" smtClean="0"/>
+              <a:t>20</a:t>
+            </a:fld>
+            <a:endParaRPr lang="en-US"/>
+          </a:p>
+        </p:txBody>
+      </p:sp>
+    </p:spTree>
+    <p:extLst>
+      <p:ext uri="{BB962C8B-B14F-4D97-AF65-F5344CB8AC3E}">
+        <p14:creationId xmlns:p14="http://schemas.microsoft.com/office/powerpoint/2010/main" val="1265724878"/>
       </p:ext>
     </p:extLst>
   </p:cSld>
@@ -29362,7 +29454,7 @@
           <a:p>
             <a:r>
               <a:rPr lang="en-US" dirty="0" err="1"/>
-              <a:t>Druhy</a:t>
+              <a:t>Pouzivame</a:t>
             </a:r>
             <a:r>
               <a:rPr lang="en-US" dirty="0"/>
@@ -29370,7 +29462,7 @@
             </a:r>
             <a:r>
               <a:rPr lang="en-US" dirty="0" err="1"/>
-              <a:t>barevne</a:t>
+              <a:t>vzorec</a:t>
             </a:r>
             <a:r>
               <a:rPr lang="en-US" dirty="0"/>
@@ -29378,77 +29470,83 @@
             </a:r>
             <a:r>
               <a:rPr lang="en-US" dirty="0" err="1"/>
-              <a:t>modely</a:t>
+              <a:t>XYx</a:t>
             </a:r>
             <a:r>
               <a:rPr lang="en-US" dirty="0"/>
-              <a:t> CMY a CMYK. Je to </a:t>
+              <a:t>(</a:t>
             </a:r>
             <a:r>
               <a:rPr lang="en-US" dirty="0" err="1"/>
-              <a:t>barevne</a:t>
+              <a:t>rgb</a:t>
             </a:r>
             <a:r>
               <a:rPr lang="en-US" dirty="0"/>
-              <a:t> model . </a:t>
+              <a:t>) </a:t>
             </a:r>
             <a:r>
               <a:rPr lang="en-US" dirty="0" err="1"/>
-              <a:t>Znamena</a:t>
+              <a:t>tady</a:t>
+            </a:r>
+            <a:r>
+              <a:rPr lang="en-US" dirty="0"/>
+              <a:t> ten XY </a:t>
+            </a:r>
+            <a:r>
+              <a:rPr lang="en-US" dirty="0" err="1"/>
+              <a:t>znamena</a:t>
             </a:r>
             <a:r>
               <a:rPr lang="en-US" dirty="0"/>
               <a:t> ze </a:t>
             </a:r>
             <a:r>
-              <a:rPr lang="en-US" b="0" i="0" dirty="0">
-                <a:solidFill>
-                  <a:srgbClr val="374151"/>
-                </a:solidFill>
-                <a:effectLst/>
-                <a:latin typeface="Söhne"/>
-              </a:rPr>
-              <a:t>Cyan, Magenta, Yellow, Key. Je to taky </a:t>
-            </a:r>
-            <a:r>
-              <a:rPr lang="en-US" b="0" i="0" dirty="0" err="1">
-                <a:solidFill>
-                  <a:srgbClr val="374151"/>
-                </a:solidFill>
-                <a:effectLst/>
-                <a:latin typeface="Söhne"/>
-              </a:rPr>
-              <a:t>dulezitejsi</a:t>
-            </a:r>
-            <a:r>
-              <a:rPr lang="en-US" b="0" i="0" dirty="0">
-                <a:solidFill>
-                  <a:srgbClr val="374151"/>
-                </a:solidFill>
-                <a:effectLst/>
-                <a:latin typeface="Söhne"/>
-              </a:rPr>
-              <a:t> model </a:t>
-            </a:r>
-            <a:r>
-              <a:rPr lang="en-US" b="0" i="0" dirty="0" err="1">
-                <a:solidFill>
-                  <a:srgbClr val="374151"/>
-                </a:solidFill>
-                <a:effectLst/>
-                <a:latin typeface="Söhne"/>
-              </a:rPr>
-              <a:t>jako</a:t>
-            </a:r>
-            <a:r>
-              <a:rPr lang="en-US" b="0" i="0" dirty="0">
-                <a:solidFill>
-                  <a:srgbClr val="374151"/>
-                </a:solidFill>
-                <a:effectLst/>
-                <a:latin typeface="Söhne"/>
-              </a:rPr>
-              <a:t> RGB. </a:t>
+              <a:rPr lang="en-US" dirty="0" err="1"/>
+              <a:t>pocet</a:t>
+            </a:r>
+            <a:r>
+              <a:rPr lang="en-US" dirty="0"/>
+              <a:t> </a:t>
+            </a:r>
+            <a:r>
+              <a:rPr lang="en-US" dirty="0" err="1"/>
+              <a:t>pixelu</a:t>
+            </a:r>
+            <a:r>
+              <a:rPr lang="en-US" dirty="0"/>
+              <a:t>. </a:t>
+            </a:r>
+            <a:r>
+              <a:rPr lang="en-US" dirty="0" err="1"/>
+              <a:t>Musime</a:t>
+            </a:r>
+            <a:r>
+              <a:rPr lang="en-US" dirty="0"/>
+              <a:t> </a:t>
+            </a:r>
+            <a:r>
+              <a:rPr lang="en-US" dirty="0" err="1"/>
+              <a:t>vedet</a:t>
+            </a:r>
+            <a:r>
+              <a:rPr lang="en-US" dirty="0"/>
+              <a:t>  </a:t>
+            </a:r>
+            <a:r>
+              <a:rPr lang="en-US" dirty="0" err="1"/>
+              <a:t>pocet</a:t>
+            </a:r>
+            <a:r>
+              <a:rPr lang="en-US" dirty="0"/>
+              <a:t> </a:t>
+            </a:r>
+            <a:r>
+              <a:rPr lang="en-US" dirty="0" err="1"/>
+              <a:t>pixelu</a:t>
+            </a:r>
+            <a:r>
+              <a:rPr lang="en-US"/>
+              <a:t>.</a:t>
             </a:r>
             <a:endParaRPr lang="en-US" dirty="0"/>
           </a:p>
@@ -29471,7 +29569,7 @@
           <a:p>
             <a:fld id="{A327F149-D9FA-4932-BD99-DB4E84988BB6}" type="slidenum">
               <a:rPr lang="en-US" smtClean="0"/>
-              <a:t>7</a:t>
+              <a:t>6</a:t>
             </a:fld>
             <a:endParaRPr lang="en-US"/>
           </a:p>
@@ -29480,7 +29578,7 @@
     </p:spTree>
     <p:extLst>
       <p:ext uri="{BB962C8B-B14F-4D97-AF65-F5344CB8AC3E}">
-        <p14:creationId xmlns:p14="http://schemas.microsoft.com/office/powerpoint/2010/main" val="971353420"/>
+        <p14:creationId xmlns:p14="http://schemas.microsoft.com/office/powerpoint/2010/main" val="2389089348"/>
       </p:ext>
     </p:extLst>
   </p:cSld>
@@ -29535,12 +29633,8 @@
           <a:lstStyle/>
           <a:p>
             <a:r>
-              <a:rPr lang="en-US" dirty="0"/>
-              <a:t>Jak </a:t>
-            </a:r>
-            <a:r>
               <a:rPr lang="en-US" dirty="0" err="1"/>
-              <a:t>nam</a:t>
+              <a:t>Druhy</a:t>
             </a:r>
             <a:r>
               <a:rPr lang="en-US" dirty="0"/>
@@ -29548,39 +29642,7 @@
             </a:r>
             <a:r>
               <a:rPr lang="en-US" dirty="0" err="1"/>
-              <a:t>pomuze</a:t>
-            </a:r>
-            <a:r>
-              <a:rPr lang="en-US" dirty="0"/>
-              <a:t>? </a:t>
-            </a:r>
-            <a:r>
-              <a:rPr lang="en-US" dirty="0" err="1"/>
-              <a:t>Barevne</a:t>
-            </a:r>
-            <a:r>
-              <a:rPr lang="en-US" dirty="0"/>
-              <a:t> model CMY </a:t>
-            </a:r>
-            <a:r>
-              <a:rPr lang="en-US" dirty="0" err="1"/>
-              <a:t>nebo</a:t>
-            </a:r>
-            <a:r>
-              <a:rPr lang="en-US" dirty="0"/>
-              <a:t> CMYK je pro </a:t>
-            </a:r>
-            <a:r>
-              <a:rPr lang="en-US" dirty="0" err="1"/>
-              <a:t>tiskaren</a:t>
-            </a:r>
-            <a:r>
-              <a:rPr lang="en-US" dirty="0"/>
-              <a:t>. </a:t>
-            </a:r>
-            <a:r>
-              <a:rPr lang="en-US" dirty="0" err="1"/>
-              <a:t>Tady</a:t>
+              <a:t>barevne</a:t>
             </a:r>
             <a:r>
               <a:rPr lang="en-US" dirty="0"/>
@@ -29588,108 +29650,79 @@
             </a:r>
             <a:r>
               <a:rPr lang="en-US" dirty="0" err="1"/>
-              <a:t>na</a:t>
+              <a:t>modely</a:t>
             </a:r>
             <a:r>
               <a:rPr lang="en-US" dirty="0"/>
-              <a:t> </a:t>
+              <a:t> CMY a CMYK. Je to </a:t>
             </a:r>
             <a:r>
               <a:rPr lang="en-US" dirty="0" err="1"/>
-              <a:t>fotce</a:t>
+              <a:t>barevne</a:t>
             </a:r>
             <a:r>
               <a:rPr lang="en-US" dirty="0"/>
-              <a:t> </a:t>
+              <a:t> model . </a:t>
             </a:r>
             <a:r>
               <a:rPr lang="en-US" dirty="0" err="1"/>
-              <a:t>ukazu</a:t>
+              <a:t>Znamena</a:t>
             </a:r>
             <a:r>
               <a:rPr lang="en-US" dirty="0"/>
-              <a:t> . Oba </a:t>
-            </a:r>
-            <a:r>
-              <a:rPr lang="en-US" dirty="0" err="1"/>
-              <a:t>dva</a:t>
-            </a:r>
-            <a:r>
-              <a:rPr lang="en-US" dirty="0"/>
-              <a:t> </a:t>
-            </a:r>
-            <a:r>
-              <a:rPr lang="en-US" dirty="0" err="1"/>
-              <a:t>fotce</a:t>
-            </a:r>
-            <a:r>
-              <a:rPr lang="en-US" dirty="0"/>
-              <a:t> ukase ze C je </a:t>
-            </a:r>
-            <a:r>
-              <a:rPr lang="en-US" dirty="0" err="1"/>
-              <a:t>tohle</a:t>
-            </a:r>
-            <a:r>
-              <a:rPr lang="en-US" dirty="0"/>
-              <a:t> </a:t>
-            </a:r>
-            <a:r>
-              <a:rPr lang="en-US" dirty="0" err="1"/>
-              <a:t>barev</a:t>
-            </a:r>
-            <a:r>
-              <a:rPr lang="en-US" dirty="0"/>
-              <a:t> M je </a:t>
-            </a:r>
-            <a:r>
-              <a:rPr lang="en-US" dirty="0" err="1"/>
-              <a:t>tohle</a:t>
-            </a:r>
-            <a:r>
-              <a:rPr lang="en-US" dirty="0"/>
-              <a:t> </a:t>
-            </a:r>
-            <a:r>
-              <a:rPr lang="en-US" dirty="0" err="1"/>
-              <a:t>barev</a:t>
-            </a:r>
-            <a:r>
-              <a:rPr lang="en-US" dirty="0"/>
-              <a:t> Y je </a:t>
-            </a:r>
-            <a:r>
-              <a:rPr lang="en-US" dirty="0" err="1"/>
-              <a:t>tohle</a:t>
-            </a:r>
-            <a:r>
-              <a:rPr lang="en-US" dirty="0"/>
-              <a:t> </a:t>
-            </a:r>
-            <a:r>
-              <a:rPr lang="en-US" dirty="0" err="1"/>
-              <a:t>barev</a:t>
-            </a:r>
-            <a:r>
-              <a:rPr lang="en-US" dirty="0"/>
-              <a:t> K je </a:t>
-            </a:r>
-            <a:r>
-              <a:rPr lang="en-US" dirty="0" err="1"/>
-              <a:t>tohle</a:t>
-            </a:r>
-            <a:r>
-              <a:rPr lang="en-US" dirty="0"/>
-              <a:t> </a:t>
-            </a:r>
-            <a:r>
-              <a:rPr lang="en-US" dirty="0" err="1"/>
-              <a:t>barev</a:t>
-            </a:r>
-            <a:r>
-              <a:rPr lang="en-US" dirty="0"/>
-              <a:t> . </a:t>
-            </a:r>
+              <a:t> ze </a:t>
+            </a:r>
+            <a:r>
+              <a:rPr lang="en-US" b="0" i="0" dirty="0">
+                <a:solidFill>
+                  <a:srgbClr val="374151"/>
+                </a:solidFill>
+                <a:effectLst/>
+                <a:latin typeface="Söhne"/>
+              </a:rPr>
+              <a:t>Cyan, Magenta, Yellow, Key. Je to taky </a:t>
+            </a:r>
+            <a:r>
+              <a:rPr lang="en-US" b="0" i="0" dirty="0" err="1">
+                <a:solidFill>
+                  <a:srgbClr val="374151"/>
+                </a:solidFill>
+                <a:effectLst/>
+                <a:latin typeface="Söhne"/>
+              </a:rPr>
+              <a:t>dulezitejsi</a:t>
+            </a:r>
+            <a:r>
+              <a:rPr lang="en-US" b="0" i="0" dirty="0">
+                <a:solidFill>
+                  <a:srgbClr val="374151"/>
+                </a:solidFill>
+                <a:effectLst/>
+                <a:latin typeface="Söhne"/>
+              </a:rPr>
+              <a:t> model </a:t>
+            </a:r>
+            <a:r>
+              <a:rPr lang="en-US" b="0" i="0" dirty="0" err="1">
+                <a:solidFill>
+                  <a:srgbClr val="374151"/>
+                </a:solidFill>
+                <a:effectLst/>
+                <a:latin typeface="Söhne"/>
+              </a:rPr>
+              <a:t>jako</a:t>
+            </a:r>
+            <a:r>
+              <a:rPr lang="en-US" b="0" i="0" dirty="0">
+                <a:solidFill>
+                  <a:srgbClr val="374151"/>
+                </a:solidFill>
+                <a:effectLst/>
+                <a:latin typeface="Söhne"/>
+              </a:rPr>
+              <a:t> RGB. </a:t>
+            </a:r>
+            <a:endParaRPr lang="en-US" dirty="0"/>
           </a:p>
         </p:txBody>
       </p:sp>
@@ -29710,7 +29743,7 @@
           <a:p>
             <a:fld id="{A327F149-D9FA-4932-BD99-DB4E84988BB6}" type="slidenum">
               <a:rPr lang="en-US" smtClean="0"/>
-              <a:t>8</a:t>
+              <a:t>7</a:t>
             </a:fld>
             <a:endParaRPr lang="en-US"/>
           </a:p>
@@ -29719,7 +29752,7 @@
     </p:spTree>
     <p:extLst>
       <p:ext uri="{BB962C8B-B14F-4D97-AF65-F5344CB8AC3E}">
-        <p14:creationId xmlns:p14="http://schemas.microsoft.com/office/powerpoint/2010/main" val="3054278321"/>
+        <p14:creationId xmlns:p14="http://schemas.microsoft.com/office/powerpoint/2010/main" val="971353420"/>
       </p:ext>
     </p:extLst>
   </p:cSld>
@@ -29775,11 +29808,11 @@
           <a:p>
             <a:r>
               <a:rPr lang="en-US" dirty="0"/>
-              <a:t>Tech </a:t>
+              <a:t>Jak </a:t>
             </a:r>
             <a:r>
               <a:rPr lang="en-US" dirty="0" err="1"/>
-              <a:t>slidu</a:t>
+              <a:t>nam</a:t>
             </a:r>
             <a:r>
               <a:rPr lang="en-US" dirty="0"/>
@@ -29787,7 +29820,39 @@
             </a:r>
             <a:r>
               <a:rPr lang="en-US" dirty="0" err="1"/>
-              <a:t>budu</a:t>
+              <a:t>pomuze</a:t>
+            </a:r>
+            <a:r>
+              <a:rPr lang="en-US" dirty="0"/>
+              <a:t>? </a:t>
+            </a:r>
+            <a:r>
+              <a:rPr lang="en-US" dirty="0" err="1"/>
+              <a:t>Barevne</a:t>
+            </a:r>
+            <a:r>
+              <a:rPr lang="en-US" dirty="0"/>
+              <a:t> model CMY </a:t>
+            </a:r>
+            <a:r>
+              <a:rPr lang="en-US" dirty="0" err="1"/>
+              <a:t>nebo</a:t>
+            </a:r>
+            <a:r>
+              <a:rPr lang="en-US" dirty="0"/>
+              <a:t> CMYK je pro </a:t>
+            </a:r>
+            <a:r>
+              <a:rPr lang="en-US" dirty="0" err="1"/>
+              <a:t>tiskaren</a:t>
+            </a:r>
+            <a:r>
+              <a:rPr lang="en-US" dirty="0"/>
+              <a:t>. </a:t>
+            </a:r>
+            <a:r>
+              <a:rPr lang="en-US" dirty="0" err="1"/>
+              <a:t>Tady</a:t>
             </a:r>
             <a:r>
               <a:rPr lang="en-US" dirty="0"/>
@@ -29795,7 +29860,7 @@
             </a:r>
             <a:r>
               <a:rPr lang="en-US" dirty="0" err="1"/>
-              <a:t>vysvetlit</a:t>
+              <a:t>na</a:t>
             </a:r>
             <a:r>
               <a:rPr lang="en-US" dirty="0"/>
@@ -29803,15 +29868,7 @@
             </a:r>
             <a:r>
               <a:rPr lang="en-US" dirty="0" err="1"/>
-              <a:t>jaky</a:t>
-            </a:r>
-            <a:r>
-              <a:rPr lang="en-US" dirty="0"/>
-              <a:t> je </a:t>
-            </a:r>
-            <a:r>
-              <a:rPr lang="en-US" dirty="0" err="1"/>
-              <a:t>rozdil</a:t>
+              <a:t>fotce</a:t>
             </a:r>
             <a:r>
               <a:rPr lang="en-US" dirty="0"/>
@@ -29819,19 +29876,35 @@
             </a:r>
             <a:r>
               <a:rPr lang="en-US" dirty="0" err="1"/>
-              <a:t>mezu</a:t>
+              <a:t>ukazu</a:t>
             </a:r>
             <a:r>
               <a:rPr lang="en-US" dirty="0"/>
-              <a:t> RGB a CMYK. RGB red green blue </a:t>
+              <a:t> . Oba </a:t>
             </a:r>
             <a:r>
               <a:rPr lang="en-US" dirty="0" err="1"/>
-              <a:t>takze</a:t>
+              <a:t>dva</a:t>
             </a:r>
             <a:r>
               <a:rPr lang="en-US" dirty="0"/>
-              <a:t> 3 </a:t>
+              <a:t> </a:t>
+            </a:r>
+            <a:r>
+              <a:rPr lang="en-US" dirty="0" err="1"/>
+              <a:t>fotce</a:t>
+            </a:r>
+            <a:r>
+              <a:rPr lang="en-US" dirty="0"/>
+              <a:t> ukase ze C je </a:t>
+            </a:r>
+            <a:r>
+              <a:rPr lang="en-US" dirty="0" err="1"/>
+              <a:t>tohle</a:t>
+            </a:r>
+            <a:r>
+              <a:rPr lang="en-US" dirty="0"/>
+              <a:t> </a:t>
             </a:r>
             <a:r>
               <a:rPr lang="en-US" dirty="0" err="1"/>
@@ -29839,11 +29912,11 @@
             </a:r>
             <a:r>
               <a:rPr lang="en-US" dirty="0"/>
-              <a:t> . CMYK cyan magenta yellow a black. </a:t>
+              <a:t> M je </a:t>
             </a:r>
             <a:r>
               <a:rPr lang="en-US" dirty="0" err="1"/>
-              <a:t>Barevne</a:t>
+              <a:t>tohle</a:t>
             </a:r>
             <a:r>
               <a:rPr lang="en-US" dirty="0"/>
@@ -29851,23 +29924,15 @@
             </a:r>
             <a:r>
               <a:rPr lang="en-US" dirty="0" err="1"/>
-              <a:t>moznosti</a:t>
+              <a:t>barev</a:t>
             </a:r>
             <a:r>
               <a:rPr lang="en-US" dirty="0"/>
-              <a:t> proc ma </a:t>
+              <a:t> Y je </a:t>
             </a:r>
             <a:r>
               <a:rPr lang="en-US" dirty="0" err="1"/>
-              <a:t>rgb</a:t>
-            </a:r>
-            <a:r>
-              <a:rPr lang="en-US" dirty="0"/>
-              <a:t> 16.7 mil, </a:t>
-            </a:r>
-            <a:r>
-              <a:rPr lang="en-US" dirty="0" err="1"/>
-              <a:t>rikal</a:t>
+              <a:t>tohle</a:t>
             </a:r>
             <a:r>
               <a:rPr lang="en-US" dirty="0"/>
@@ -29875,47 +29940,15 @@
             </a:r>
             <a:r>
               <a:rPr lang="en-US" dirty="0" err="1"/>
-              <a:t>jsem</a:t>
+              <a:t>barev</a:t>
             </a:r>
             <a:r>
               <a:rPr lang="en-US" dirty="0"/>
-              <a:t> ze 3 </a:t>
+              <a:t> K je </a:t>
             </a:r>
             <a:r>
               <a:rPr lang="en-US" dirty="0" err="1"/>
-              <a:t>bytove</a:t>
-            </a:r>
-            <a:r>
-              <a:rPr lang="en-US" dirty="0"/>
-              <a:t> a je to 24 bit , 2 </a:t>
-            </a:r>
-            <a:r>
-              <a:rPr lang="en-US" dirty="0" err="1"/>
-              <a:t>na</a:t>
-            </a:r>
-            <a:r>
-              <a:rPr lang="en-US" dirty="0"/>
-              <a:t> 24 je </a:t>
-            </a:r>
-            <a:r>
-              <a:rPr lang="en-US" dirty="0" err="1"/>
-              <a:t>rovnace</a:t>
-            </a:r>
-            <a:r>
-              <a:rPr lang="en-US" dirty="0"/>
-              <a:t> 16.7 mil. Proc ma </a:t>
-            </a:r>
-            <a:r>
-              <a:rPr lang="en-US" dirty="0" err="1"/>
-              <a:t>cmyk</a:t>
-            </a:r>
-            <a:r>
-              <a:rPr lang="en-US" dirty="0"/>
-              <a:t> 16000? </a:t>
-            </a:r>
-            <a:r>
-              <a:rPr lang="en-US" dirty="0" err="1"/>
-              <a:t>lidské</a:t>
+              <a:t>tohle</a:t>
             </a:r>
             <a:r>
               <a:rPr lang="en-US" dirty="0"/>
@@ -29923,107 +29956,11 @@
             </a:r>
             <a:r>
               <a:rPr lang="en-US" dirty="0" err="1"/>
-              <a:t>oko</a:t>
+              <a:t>barev</a:t>
             </a:r>
             <a:r>
               <a:rPr lang="en-US" dirty="0"/>
-              <a:t> </a:t>
-            </a:r>
-            <a:r>
-              <a:rPr lang="en-US" dirty="0" err="1"/>
-              <a:t>má</a:t>
-            </a:r>
-            <a:r>
-              <a:rPr lang="en-US" dirty="0"/>
-              <a:t> </a:t>
-            </a:r>
-            <a:r>
-              <a:rPr lang="en-US" dirty="0" err="1"/>
-              <a:t>nižší</a:t>
-            </a:r>
-            <a:r>
-              <a:rPr lang="en-US" dirty="0"/>
-              <a:t> </a:t>
-            </a:r>
-            <a:r>
-              <a:rPr lang="en-US" dirty="0" err="1"/>
-              <a:t>úroveň</a:t>
-            </a:r>
-            <a:r>
-              <a:rPr lang="en-US" dirty="0"/>
-              <a:t> </a:t>
-            </a:r>
-            <a:r>
-              <a:rPr lang="en-US" dirty="0" err="1"/>
-              <a:t>schopnosti</a:t>
-            </a:r>
-            <a:r>
-              <a:rPr lang="en-US" dirty="0"/>
-              <a:t> </a:t>
-            </a:r>
-            <a:r>
-              <a:rPr lang="en-US" dirty="0" err="1"/>
-              <a:t>rozlišovat</a:t>
-            </a:r>
-            <a:r>
-              <a:rPr lang="en-US" dirty="0"/>
-              <a:t> </a:t>
-            </a:r>
-            <a:r>
-              <a:rPr lang="en-US" dirty="0" err="1"/>
-              <a:t>většinu</a:t>
-            </a:r>
-            <a:r>
-              <a:rPr lang="en-US" dirty="0"/>
-              <a:t> </a:t>
-            </a:r>
-            <a:r>
-              <a:rPr lang="en-US" dirty="0" err="1"/>
-              <a:t>barev</a:t>
-            </a:r>
-            <a:r>
-              <a:rPr lang="en-US" dirty="0"/>
-              <a:t>. </a:t>
-            </a:r>
-            <a:r>
-              <a:rPr lang="en-US" dirty="0" err="1"/>
-              <a:t>Kvuli</a:t>
-            </a:r>
-            <a:r>
-              <a:rPr lang="en-US" dirty="0"/>
-              <a:t> </a:t>
-            </a:r>
-            <a:r>
-              <a:rPr lang="en-US" dirty="0" err="1"/>
-              <a:t>tomu</a:t>
-            </a:r>
-            <a:r>
-              <a:rPr lang="en-US" dirty="0"/>
-              <a:t> CMYK </a:t>
-            </a:r>
-            <a:r>
-              <a:rPr lang="en-US" dirty="0" err="1"/>
-              <a:t>pouzivany</a:t>
-            </a:r>
-            <a:r>
-              <a:rPr lang="en-US" dirty="0"/>
-              <a:t> </a:t>
-            </a:r>
-            <a:r>
-              <a:rPr lang="en-US" dirty="0" err="1"/>
-              <a:t>na</a:t>
-            </a:r>
-            <a:r>
-              <a:rPr lang="en-US" dirty="0"/>
-              <a:t> </a:t>
-            </a:r>
-            <a:r>
-              <a:rPr lang="en-US" dirty="0" err="1"/>
-              <a:t>tiskaren</a:t>
-            </a:r>
-            <a:r>
-              <a:rPr lang="en-US" dirty="0"/>
-              <a:t>.</a:t>
+              <a:t> . </a:t>
             </a:r>
           </a:p>
         </p:txBody>
@@ -30045,7 +29982,7 @@
           <a:p>
             <a:fld id="{A327F149-D9FA-4932-BD99-DB4E84988BB6}" type="slidenum">
               <a:rPr lang="en-US" smtClean="0"/>
-              <a:t>9</a:t>
+              <a:t>8</a:t>
             </a:fld>
             <a:endParaRPr lang="en-US"/>
           </a:p>
@@ -30054,7 +29991,7 @@
     </p:spTree>
     <p:extLst>
       <p:ext uri="{BB962C8B-B14F-4D97-AF65-F5344CB8AC3E}">
-        <p14:creationId xmlns:p14="http://schemas.microsoft.com/office/powerpoint/2010/main" val="2545284437"/>
+        <p14:creationId xmlns:p14="http://schemas.microsoft.com/office/powerpoint/2010/main" val="3054278321"/>
       </p:ext>
     </p:extLst>
   </p:cSld>
@@ -30110,13 +30047,256 @@
           <a:p>
             <a:r>
               <a:rPr lang="en-US" dirty="0"/>
-              <a:t>Dal</a:t>
-            </a:r>
-            <a:r>
-              <a:rPr lang="cs-CZ" dirty="0"/>
-              <a:t>ši barevne modely je HSV.  Někdy   potkame jaho HSB </a:t>
-            </a:r>
-            <a:endParaRPr lang="en-US" dirty="0"/>
+              <a:t>Tech </a:t>
+            </a:r>
+            <a:r>
+              <a:rPr lang="en-US" dirty="0" err="1"/>
+              <a:t>slidu</a:t>
+            </a:r>
+            <a:r>
+              <a:rPr lang="en-US" dirty="0"/>
+              <a:t> </a:t>
+            </a:r>
+            <a:r>
+              <a:rPr lang="en-US" dirty="0" err="1"/>
+              <a:t>budu</a:t>
+            </a:r>
+            <a:r>
+              <a:rPr lang="en-US" dirty="0"/>
+              <a:t> </a:t>
+            </a:r>
+            <a:r>
+              <a:rPr lang="en-US" dirty="0" err="1"/>
+              <a:t>vysvetlit</a:t>
+            </a:r>
+            <a:r>
+              <a:rPr lang="en-US" dirty="0"/>
+              <a:t> </a:t>
+            </a:r>
+            <a:r>
+              <a:rPr lang="en-US" dirty="0" err="1"/>
+              <a:t>jaky</a:t>
+            </a:r>
+            <a:r>
+              <a:rPr lang="en-US" dirty="0"/>
+              <a:t> je </a:t>
+            </a:r>
+            <a:r>
+              <a:rPr lang="en-US" dirty="0" err="1"/>
+              <a:t>rozdil</a:t>
+            </a:r>
+            <a:r>
+              <a:rPr lang="en-US" dirty="0"/>
+              <a:t> </a:t>
+            </a:r>
+            <a:r>
+              <a:rPr lang="en-US" dirty="0" err="1"/>
+              <a:t>mezu</a:t>
+            </a:r>
+            <a:r>
+              <a:rPr lang="en-US" dirty="0"/>
+              <a:t> RGB a CMYK. RGB red green blue </a:t>
+            </a:r>
+            <a:r>
+              <a:rPr lang="en-US" dirty="0" err="1"/>
+              <a:t>takze</a:t>
+            </a:r>
+            <a:r>
+              <a:rPr lang="en-US" dirty="0"/>
+              <a:t> 3 </a:t>
+            </a:r>
+            <a:r>
+              <a:rPr lang="en-US" dirty="0" err="1"/>
+              <a:t>barev</a:t>
+            </a:r>
+            <a:r>
+              <a:rPr lang="en-US" dirty="0"/>
+              <a:t> . CMYK cyan magenta yellow a black. </a:t>
+            </a:r>
+            <a:r>
+              <a:rPr lang="en-US" dirty="0" err="1"/>
+              <a:t>Barevne</a:t>
+            </a:r>
+            <a:r>
+              <a:rPr lang="en-US" dirty="0"/>
+              <a:t> </a:t>
+            </a:r>
+            <a:r>
+              <a:rPr lang="en-US" dirty="0" err="1"/>
+              <a:t>moznosti</a:t>
+            </a:r>
+            <a:r>
+              <a:rPr lang="en-US" dirty="0"/>
+              <a:t> proc ma </a:t>
+            </a:r>
+            <a:r>
+              <a:rPr lang="en-US" dirty="0" err="1"/>
+              <a:t>rgb</a:t>
+            </a:r>
+            <a:r>
+              <a:rPr lang="en-US" dirty="0"/>
+              <a:t> 16.7 mil, </a:t>
+            </a:r>
+            <a:r>
+              <a:rPr lang="en-US" dirty="0" err="1"/>
+              <a:t>rikal</a:t>
+            </a:r>
+            <a:r>
+              <a:rPr lang="en-US" dirty="0"/>
+              <a:t> </a:t>
+            </a:r>
+            <a:r>
+              <a:rPr lang="en-US" dirty="0" err="1"/>
+              <a:t>jsem</a:t>
+            </a:r>
+            <a:r>
+              <a:rPr lang="en-US" dirty="0"/>
+              <a:t> ze 3 </a:t>
+            </a:r>
+            <a:r>
+              <a:rPr lang="en-US" dirty="0" err="1"/>
+              <a:t>bytove</a:t>
+            </a:r>
+            <a:r>
+              <a:rPr lang="en-US" dirty="0"/>
+              <a:t> a je to 24 bit , 2 </a:t>
+            </a:r>
+            <a:r>
+              <a:rPr lang="en-US" dirty="0" err="1"/>
+              <a:t>na</a:t>
+            </a:r>
+            <a:r>
+              <a:rPr lang="en-US" dirty="0"/>
+              <a:t> 24 je </a:t>
+            </a:r>
+            <a:r>
+              <a:rPr lang="en-US" dirty="0" err="1"/>
+              <a:t>rovnace</a:t>
+            </a:r>
+            <a:r>
+              <a:rPr lang="en-US" dirty="0"/>
+              <a:t> 16.7 mil. Proc ma </a:t>
+            </a:r>
+            <a:r>
+              <a:rPr lang="en-US" dirty="0" err="1"/>
+              <a:t>cmyk</a:t>
+            </a:r>
+            <a:r>
+              <a:rPr lang="en-US" dirty="0"/>
+              <a:t> 16000? </a:t>
+            </a:r>
+            <a:r>
+              <a:rPr lang="en-US" dirty="0" err="1"/>
+              <a:t>lidské</a:t>
+            </a:r>
+            <a:r>
+              <a:rPr lang="en-US" dirty="0"/>
+              <a:t> </a:t>
+            </a:r>
+            <a:r>
+              <a:rPr lang="en-US" dirty="0" err="1"/>
+              <a:t>oko</a:t>
+            </a:r>
+            <a:r>
+              <a:rPr lang="en-US" dirty="0"/>
+              <a:t> </a:t>
+            </a:r>
+            <a:r>
+              <a:rPr lang="en-US" dirty="0" err="1"/>
+              <a:t>má</a:t>
+            </a:r>
+            <a:r>
+              <a:rPr lang="en-US" dirty="0"/>
+              <a:t> </a:t>
+            </a:r>
+            <a:r>
+              <a:rPr lang="en-US" dirty="0" err="1"/>
+              <a:t>nižší</a:t>
+            </a:r>
+            <a:r>
+              <a:rPr lang="en-US" dirty="0"/>
+              <a:t> </a:t>
+            </a:r>
+            <a:r>
+              <a:rPr lang="en-US" dirty="0" err="1"/>
+              <a:t>úroveň</a:t>
+            </a:r>
+            <a:r>
+              <a:rPr lang="en-US" dirty="0"/>
+              <a:t> </a:t>
+            </a:r>
+            <a:r>
+              <a:rPr lang="en-US" dirty="0" err="1"/>
+              <a:t>schopnosti</a:t>
+            </a:r>
+            <a:r>
+              <a:rPr lang="en-US" dirty="0"/>
+              <a:t> </a:t>
+            </a:r>
+            <a:r>
+              <a:rPr lang="en-US" dirty="0" err="1"/>
+              <a:t>rozlišovat</a:t>
+            </a:r>
+            <a:r>
+              <a:rPr lang="en-US" dirty="0"/>
+              <a:t> </a:t>
+            </a:r>
+            <a:r>
+              <a:rPr lang="en-US" dirty="0" err="1"/>
+              <a:t>většinu</a:t>
+            </a:r>
+            <a:r>
+              <a:rPr lang="en-US" dirty="0"/>
+              <a:t> </a:t>
+            </a:r>
+            <a:r>
+              <a:rPr lang="en-US" dirty="0" err="1"/>
+              <a:t>barev</a:t>
+            </a:r>
+            <a:r>
+              <a:rPr lang="en-US" dirty="0"/>
+              <a:t>. </a:t>
+            </a:r>
+            <a:r>
+              <a:rPr lang="en-US" dirty="0" err="1"/>
+              <a:t>Kvuli</a:t>
+            </a:r>
+            <a:r>
+              <a:rPr lang="en-US" dirty="0"/>
+              <a:t> </a:t>
+            </a:r>
+            <a:r>
+              <a:rPr lang="en-US" dirty="0" err="1"/>
+              <a:t>tomu</a:t>
+            </a:r>
+            <a:r>
+              <a:rPr lang="en-US" dirty="0"/>
+              <a:t> CMYK </a:t>
+            </a:r>
+            <a:r>
+              <a:rPr lang="en-US" dirty="0" err="1"/>
+              <a:t>pouzivany</a:t>
+            </a:r>
+            <a:r>
+              <a:rPr lang="en-US" dirty="0"/>
+              <a:t> </a:t>
+            </a:r>
+            <a:r>
+              <a:rPr lang="en-US" dirty="0" err="1"/>
+              <a:t>na</a:t>
+            </a:r>
+            <a:r>
+              <a:rPr lang="en-US" dirty="0"/>
+              <a:t> </a:t>
+            </a:r>
+            <a:r>
+              <a:rPr lang="en-US" dirty="0" err="1"/>
+              <a:t>tiskaren</a:t>
+            </a:r>
+            <a:r>
+              <a:rPr lang="en-US" dirty="0"/>
+              <a:t>.</a:t>
+            </a:r>
           </a:p>
         </p:txBody>
       </p:sp>
@@ -30137,7 +30317,7 @@
           <a:p>
             <a:fld id="{A327F149-D9FA-4932-BD99-DB4E84988BB6}" type="slidenum">
               <a:rPr lang="en-US" smtClean="0"/>
-              <a:t>10</a:t>
+              <a:t>9</a:t>
             </a:fld>
             <a:endParaRPr lang="en-US"/>
           </a:p>
@@ -30146,7 +30326,7 @@
     </p:spTree>
     <p:extLst>
       <p:ext uri="{BB962C8B-B14F-4D97-AF65-F5344CB8AC3E}">
-        <p14:creationId xmlns:p14="http://schemas.microsoft.com/office/powerpoint/2010/main" val="756816201"/>
+        <p14:creationId xmlns:p14="http://schemas.microsoft.com/office/powerpoint/2010/main" val="2545284437"/>
       </p:ext>
     </p:extLst>
   </p:cSld>
@@ -47117,7 +47297,7 @@
           <p:nvPr/>
         </p:nvPicPr>
         <p:blipFill rotWithShape="1">
-          <a:blip r:embed="rId2">
+          <a:blip r:embed="rId3">
             <a:extLst>
               <a:ext uri="{28A0092B-C50C-407E-A947-70E740481C1C}">
                 <a14:useLocalDpi xmlns:a14="http://schemas.microsoft.com/office/drawing/2010/main" val="0"/>
@@ -47157,13 +47337,13 @@
   <p:clrMapOvr>
     <a:masterClrMapping/>
   </p:clrMapOvr>
-  <mc:AlternateContent xmlns:mc="http://schemas.openxmlformats.org/markup-compatibility/2006">
-    <mc:Choice xmlns:p14="http://schemas.microsoft.com/office/powerpoint/2010/main" Requires="p14">
+  <mc:AlternateContent xmlns:mc="http://schemas.openxmlformats.org/markup-compatibility/2006" xmlns:p14="http://schemas.microsoft.com/office/powerpoint/2010/main">
+    <mc:Choice Requires="p14">
       <p:transition p14:dur="10" advClick="0" advTm="60000">
         <p:split orient="vert"/>
       </p:transition>
     </mc:Choice>
-    <mc:Fallback>
+    <mc:Fallback xmlns="">
       <p:transition advClick="0" advTm="60000">
         <p:split orient="vert"/>
       </p:transition>

--- a/Babayev.pptx
+++ b/Babayev.pptx
@@ -25615,7 +25615,7 @@
           <a:p>
             <a:fld id="{E91DDA50-ABC7-4925-B05D-AC0ABC4936E7}" type="datetimeFigureOut">
               <a:rPr lang="en-US" smtClean="0"/>
-              <a:t>1/18/2023</a:t>
+              <a:t>1/19/2023</a:t>
             </a:fld>
             <a:endParaRPr lang="en-US"/>
           </a:p>
@@ -30483,7 +30483,7 @@
           <a:p>
             <a:fld id="{29134D58-3766-44A1-9C78-2A4754B7E537}" type="datetimeFigureOut">
               <a:rPr lang="en-US" smtClean="0"/>
-              <a:t>1/18/2023</a:t>
+              <a:t>1/19/2023</a:t>
             </a:fld>
             <a:endParaRPr lang="en-US"/>
           </a:p>
@@ -30693,7 +30693,7 @@
           <a:p>
             <a:fld id="{29134D58-3766-44A1-9C78-2A4754B7E537}" type="datetimeFigureOut">
               <a:rPr lang="en-US" smtClean="0"/>
-              <a:t>1/18/2023</a:t>
+              <a:t>1/19/2023</a:t>
             </a:fld>
             <a:endParaRPr lang="en-US"/>
           </a:p>
@@ -30913,7 +30913,7 @@
           <a:p>
             <a:fld id="{29134D58-3766-44A1-9C78-2A4754B7E537}" type="datetimeFigureOut">
               <a:rPr lang="en-US" smtClean="0"/>
-              <a:t>1/18/2023</a:t>
+              <a:t>1/19/2023</a:t>
             </a:fld>
             <a:endParaRPr lang="en-US"/>
           </a:p>
@@ -31123,7 +31123,7 @@
           <a:p>
             <a:fld id="{29134D58-3766-44A1-9C78-2A4754B7E537}" type="datetimeFigureOut">
               <a:rPr lang="en-US" smtClean="0"/>
-              <a:t>1/18/2023</a:t>
+              <a:t>1/19/2023</a:t>
             </a:fld>
             <a:endParaRPr lang="en-US"/>
           </a:p>
@@ -31410,7 +31410,7 @@
           <a:p>
             <a:fld id="{29134D58-3766-44A1-9C78-2A4754B7E537}" type="datetimeFigureOut">
               <a:rPr lang="en-US" smtClean="0"/>
-              <a:t>1/18/2023</a:t>
+              <a:t>1/19/2023</a:t>
             </a:fld>
             <a:endParaRPr lang="en-US"/>
           </a:p>
@@ -31687,7 +31687,7 @@
           <a:p>
             <a:fld id="{29134D58-3766-44A1-9C78-2A4754B7E537}" type="datetimeFigureOut">
               <a:rPr lang="en-US" smtClean="0"/>
-              <a:t>1/18/2023</a:t>
+              <a:t>1/19/2023</a:t>
             </a:fld>
             <a:endParaRPr lang="en-US"/>
           </a:p>
@@ -32111,7 +32111,7 @@
           <a:p>
             <a:fld id="{29134D58-3766-44A1-9C78-2A4754B7E537}" type="datetimeFigureOut">
               <a:rPr lang="en-US" smtClean="0"/>
-              <a:t>1/18/2023</a:t>
+              <a:t>1/19/2023</a:t>
             </a:fld>
             <a:endParaRPr lang="en-US"/>
           </a:p>
@@ -32264,7 +32264,7 @@
           <a:p>
             <a:fld id="{29134D58-3766-44A1-9C78-2A4754B7E537}" type="datetimeFigureOut">
               <a:rPr lang="en-US" smtClean="0"/>
-              <a:t>1/18/2023</a:t>
+              <a:t>1/19/2023</a:t>
             </a:fld>
             <a:endParaRPr lang="en-US"/>
           </a:p>
@@ -32389,7 +32389,7 @@
           <a:p>
             <a:fld id="{29134D58-3766-44A1-9C78-2A4754B7E537}" type="datetimeFigureOut">
               <a:rPr lang="en-US" smtClean="0"/>
-              <a:t>1/18/2023</a:t>
+              <a:t>1/19/2023</a:t>
             </a:fld>
             <a:endParaRPr lang="en-US"/>
           </a:p>
@@ -32712,7 +32712,7 @@
           <a:p>
             <a:fld id="{29134D58-3766-44A1-9C78-2A4754B7E537}" type="datetimeFigureOut">
               <a:rPr lang="en-US" smtClean="0"/>
-              <a:t>1/18/2023</a:t>
+              <a:t>1/19/2023</a:t>
             </a:fld>
             <a:endParaRPr lang="en-US"/>
           </a:p>
@@ -33012,7 +33012,7 @@
           <a:p>
             <a:fld id="{29134D58-3766-44A1-9C78-2A4754B7E537}" type="datetimeFigureOut">
               <a:rPr lang="en-US" smtClean="0"/>
-              <a:t>1/18/2023</a:t>
+              <a:t>1/19/2023</a:t>
             </a:fld>
             <a:endParaRPr lang="en-US"/>
           </a:p>
@@ -33265,7 +33265,7 @@
           <a:p>
             <a:fld id="{29134D58-3766-44A1-9C78-2A4754B7E537}" type="datetimeFigureOut">
               <a:rPr lang="en-US" smtClean="0"/>
-              <a:t>1/18/2023</a:t>
+              <a:t>1/19/2023</a:t>
             </a:fld>
             <a:endParaRPr lang="en-US"/>
           </a:p>
@@ -47337,15 +47337,15 @@
   <p:clrMapOvr>
     <a:masterClrMapping/>
   </p:clrMapOvr>
-  <mc:AlternateContent xmlns:mc="http://schemas.openxmlformats.org/markup-compatibility/2006" xmlns:p14="http://schemas.microsoft.com/office/powerpoint/2010/main">
-    <mc:Choice Requires="p14">
-      <p:transition p14:dur="10" advClick="0" advTm="60000">
-        <p:split orient="vert"/>
+  <mc:AlternateContent xmlns:mc="http://schemas.openxmlformats.org/markup-compatibility/2006">
+    <mc:Choice xmlns:p14="http://schemas.microsoft.com/office/powerpoint/2010/main" Requires="p14">
+      <p:transition spd="slow" p14:dur="1300" advClick="0" advTm="60000">
+        <p14:pan dir="u"/>
       </p:transition>
     </mc:Choice>
-    <mc:Fallback xmlns="">
-      <p:transition advClick="0" advTm="60000">
-        <p:split orient="vert"/>
+    <mc:Fallback>
+      <p:transition spd="slow" advClick="0" advTm="60000">
+        <p:fade/>
       </p:transition>
     </mc:Fallback>
   </mc:AlternateContent>

--- a/Babayev.pptx
+++ b/Babayev.pptx
@@ -47339,12 +47339,12 @@
   </p:clrMapOvr>
   <mc:AlternateContent xmlns:mc="http://schemas.openxmlformats.org/markup-compatibility/2006">
     <mc:Choice xmlns:p14="http://schemas.microsoft.com/office/powerpoint/2010/main" Requires="p14">
-      <p:transition spd="slow" p14:dur="1300" advClick="0" advTm="60000">
+      <p:transition spd="slow" p14:dur="1300" advTm="60000">
         <p14:pan dir="u"/>
       </p:transition>
     </mc:Choice>
     <mc:Fallback>
-      <p:transition spd="slow" advClick="0" advTm="60000">
+      <p:transition spd="slow" advTm="60000">
         <p:fade/>
       </p:transition>
     </mc:Fallback>
